--- a/我的論文/2021-9-26報告內容/2021-9-27.pptx
+++ b/我的論文/2021-9-26報告內容/2021-9-27.pptx
@@ -9482,7 +9482,7 @@
         </p:nvSpPr>
         <p:spPr>
           <a:xfrm>
-            <a:off x="1523999" y="4367781"/>
+            <a:off x="1524000" y="4363291"/>
             <a:ext cx="9144000" cy="811315"/>
           </a:xfrm>
           <a:prstGeom prst="rect">
@@ -9659,6 +9659,529 @@
           </a:lstStyle>
           <a:p>
             <a:endParaRPr lang="en-US" altLang="zh-TW" sz="2000" b="1" dirty="0">
+              <a:latin typeface="+mn-ea"/>
+            </a:endParaRPr>
+          </a:p>
+        </p:txBody>
+      </p:sp>
+      <p:sp>
+        <p:nvSpPr>
+          <p:cNvPr id="5" name="副標題 2">
+            <a:extLst>
+              <a:ext uri="{FF2B5EF4-FFF2-40B4-BE49-F238E27FC236}">
+                <a16:creationId xmlns:a16="http://schemas.microsoft.com/office/drawing/2014/main" id="{1A7B7627-6C5B-46B2-A488-DC24043F7DCB}"/>
+              </a:ext>
+            </a:extLst>
+          </p:cNvPr>
+          <p:cNvSpPr txBox="1">
+            <a:spLocks/>
+          </p:cNvSpPr>
+          <p:nvPr/>
+        </p:nvSpPr>
+        <p:spPr>
+          <a:xfrm>
+            <a:off x="632899" y="4293529"/>
+            <a:ext cx="10926197" cy="475419"/>
+          </a:xfrm>
+          <a:prstGeom prst="rect">
+            <a:avLst/>
+          </a:prstGeom>
+          <a:noFill/>
+        </p:spPr>
+        <p:txBody>
+          <a:bodyPr vert="horz" lIns="91440" tIns="45720" rIns="91440" bIns="45720" rtlCol="0">
+            <a:normAutofit fontScale="92500"/>
+          </a:bodyPr>
+          <a:lstStyle>
+            <a:lvl1pPr marL="0" indent="0" algn="ctr" defTabSz="914400" rtl="0" eaLnBrk="1" latinLnBrk="0" hangingPunct="1">
+              <a:lnSpc>
+                <a:spcPct val="100000"/>
+              </a:lnSpc>
+              <a:spcBef>
+                <a:spcPts val="1000"/>
+              </a:spcBef>
+              <a:buClr>
+                <a:schemeClr val="accent2"/>
+              </a:buClr>
+              <a:buFont typeface="Arial" panose="020B0604020202020204" pitchFamily="34" charset="0"/>
+              <a:buNone/>
+              <a:defRPr sz="2000" kern="1200">
+                <a:solidFill>
+                  <a:schemeClr val="tx1">
+                    <a:lumMod val="75000"/>
+                    <a:lumOff val="25000"/>
+                  </a:schemeClr>
+                </a:solidFill>
+                <a:latin typeface="+mn-lt"/>
+                <a:ea typeface="+mn-ea"/>
+                <a:cs typeface="+mn-cs"/>
+              </a:defRPr>
+            </a:lvl1pPr>
+            <a:lvl2pPr marL="457200" indent="0" algn="ctr" defTabSz="914400" rtl="0" eaLnBrk="1" latinLnBrk="0" hangingPunct="1">
+              <a:lnSpc>
+                <a:spcPct val="100000"/>
+              </a:lnSpc>
+              <a:spcBef>
+                <a:spcPts val="1000"/>
+              </a:spcBef>
+              <a:buClr>
+                <a:schemeClr val="accent2"/>
+              </a:buClr>
+              <a:buFont typeface="Arial" panose="020B0604020202020204" pitchFamily="34" charset="0"/>
+              <a:buNone/>
+              <a:defRPr sz="2000" kern="1200">
+                <a:solidFill>
+                  <a:schemeClr val="tx1">
+                    <a:lumMod val="85000"/>
+                    <a:lumOff val="15000"/>
+                  </a:schemeClr>
+                </a:solidFill>
+                <a:latin typeface="+mn-lt"/>
+                <a:ea typeface="+mn-ea"/>
+                <a:cs typeface="+mn-cs"/>
+              </a:defRPr>
+            </a:lvl2pPr>
+            <a:lvl3pPr marL="914400" indent="0" algn="ctr" defTabSz="914400" rtl="0" eaLnBrk="1" latinLnBrk="0" hangingPunct="1">
+              <a:lnSpc>
+                <a:spcPct val="100000"/>
+              </a:lnSpc>
+              <a:spcBef>
+                <a:spcPts val="1000"/>
+              </a:spcBef>
+              <a:buClr>
+                <a:schemeClr val="accent2"/>
+              </a:buClr>
+              <a:buFont typeface="Arial" panose="020B0604020202020204" pitchFamily="34" charset="0"/>
+              <a:buNone/>
+              <a:defRPr sz="1800" kern="1200">
+                <a:solidFill>
+                  <a:schemeClr val="tx1">
+                    <a:lumMod val="85000"/>
+                    <a:lumOff val="15000"/>
+                  </a:schemeClr>
+                </a:solidFill>
+                <a:latin typeface="+mn-lt"/>
+                <a:ea typeface="+mn-ea"/>
+                <a:cs typeface="+mn-cs"/>
+              </a:defRPr>
+            </a:lvl3pPr>
+            <a:lvl4pPr marL="1371600" indent="0" algn="ctr" defTabSz="914400" rtl="0" eaLnBrk="1" latinLnBrk="0" hangingPunct="1">
+              <a:lnSpc>
+                <a:spcPct val="100000"/>
+              </a:lnSpc>
+              <a:spcBef>
+                <a:spcPts val="1000"/>
+              </a:spcBef>
+              <a:buClr>
+                <a:schemeClr val="accent2"/>
+              </a:buClr>
+              <a:buFont typeface="Arial" panose="020B0604020202020204" pitchFamily="34" charset="0"/>
+              <a:buNone/>
+              <a:defRPr sz="1600" kern="1200">
+                <a:solidFill>
+                  <a:schemeClr val="tx1">
+                    <a:lumMod val="85000"/>
+                    <a:lumOff val="15000"/>
+                  </a:schemeClr>
+                </a:solidFill>
+                <a:latin typeface="+mn-lt"/>
+                <a:ea typeface="+mn-ea"/>
+                <a:cs typeface="+mn-cs"/>
+              </a:defRPr>
+            </a:lvl4pPr>
+            <a:lvl5pPr marL="1828800" indent="0" algn="ctr" defTabSz="914400" rtl="0" eaLnBrk="1" latinLnBrk="0" hangingPunct="1">
+              <a:lnSpc>
+                <a:spcPct val="100000"/>
+              </a:lnSpc>
+              <a:spcBef>
+                <a:spcPts val="1000"/>
+              </a:spcBef>
+              <a:buClr>
+                <a:schemeClr val="accent2"/>
+              </a:buClr>
+              <a:buFont typeface="Arial" panose="020B0604020202020204" pitchFamily="34" charset="0"/>
+              <a:buNone/>
+              <a:defRPr sz="1600" kern="1200">
+                <a:solidFill>
+                  <a:schemeClr val="tx1">
+                    <a:lumMod val="85000"/>
+                    <a:lumOff val="15000"/>
+                  </a:schemeClr>
+                </a:solidFill>
+                <a:latin typeface="+mn-lt"/>
+                <a:ea typeface="+mn-ea"/>
+                <a:cs typeface="+mn-cs"/>
+              </a:defRPr>
+            </a:lvl5pPr>
+            <a:lvl6pPr marL="2286000" indent="0" algn="ctr" defTabSz="914400" rtl="0" eaLnBrk="1" latinLnBrk="0" hangingPunct="1">
+              <a:lnSpc>
+                <a:spcPct val="100000"/>
+              </a:lnSpc>
+              <a:spcBef>
+                <a:spcPts val="1000"/>
+              </a:spcBef>
+              <a:buClr>
+                <a:schemeClr val="accent2"/>
+              </a:buClr>
+              <a:buFont typeface="Arial" panose="020B0604020202020204" pitchFamily="34" charset="0"/>
+              <a:buNone/>
+              <a:defRPr sz="1600" kern="1200">
+                <a:solidFill>
+                  <a:schemeClr val="tx1"/>
+                </a:solidFill>
+                <a:latin typeface="+mn-lt"/>
+                <a:ea typeface="+mn-ea"/>
+                <a:cs typeface="+mn-cs"/>
+              </a:defRPr>
+            </a:lvl6pPr>
+            <a:lvl7pPr marL="2743200" indent="0" algn="ctr" defTabSz="914400" rtl="0" eaLnBrk="1" latinLnBrk="0" hangingPunct="1">
+              <a:lnSpc>
+                <a:spcPct val="100000"/>
+              </a:lnSpc>
+              <a:spcBef>
+                <a:spcPts val="1000"/>
+              </a:spcBef>
+              <a:buClr>
+                <a:schemeClr val="accent2"/>
+              </a:buClr>
+              <a:buFont typeface="Arial" panose="020B0604020202020204" pitchFamily="34" charset="0"/>
+              <a:buNone/>
+              <a:defRPr sz="1600" kern="1200">
+                <a:solidFill>
+                  <a:schemeClr val="tx1"/>
+                </a:solidFill>
+                <a:latin typeface="+mn-lt"/>
+                <a:ea typeface="+mn-ea"/>
+                <a:cs typeface="+mn-cs"/>
+              </a:defRPr>
+            </a:lvl7pPr>
+            <a:lvl8pPr marL="3200400" indent="0" algn="ctr" defTabSz="914400" rtl="0" eaLnBrk="1" latinLnBrk="0" hangingPunct="1">
+              <a:lnSpc>
+                <a:spcPct val="100000"/>
+              </a:lnSpc>
+              <a:spcBef>
+                <a:spcPts val="1000"/>
+              </a:spcBef>
+              <a:buClr>
+                <a:schemeClr val="accent2"/>
+              </a:buClr>
+              <a:buFont typeface="Arial" panose="020B0604020202020204" pitchFamily="34" charset="0"/>
+              <a:buNone/>
+              <a:defRPr sz="1600" kern="1200" baseline="0">
+                <a:solidFill>
+                  <a:schemeClr val="tx1"/>
+                </a:solidFill>
+                <a:latin typeface="+mn-lt"/>
+                <a:ea typeface="+mn-ea"/>
+                <a:cs typeface="+mn-cs"/>
+              </a:defRPr>
+            </a:lvl8pPr>
+            <a:lvl9pPr marL="3657600" indent="0" algn="ctr" defTabSz="914400" rtl="0" eaLnBrk="1" latinLnBrk="0" hangingPunct="1">
+              <a:lnSpc>
+                <a:spcPct val="100000"/>
+              </a:lnSpc>
+              <a:spcBef>
+                <a:spcPts val="1000"/>
+              </a:spcBef>
+              <a:buClr>
+                <a:schemeClr val="accent2"/>
+              </a:buClr>
+              <a:buFont typeface="Arial" panose="020B0604020202020204" pitchFamily="34" charset="0"/>
+              <a:buNone/>
+              <a:defRPr sz="1600" kern="1200" baseline="0">
+                <a:solidFill>
+                  <a:schemeClr val="tx1"/>
+                </a:solidFill>
+                <a:latin typeface="+mn-lt"/>
+                <a:ea typeface="+mn-ea"/>
+                <a:cs typeface="+mn-cs"/>
+              </a:defRPr>
+            </a:lvl9pPr>
+          </a:lstStyle>
+          <a:p>
+            <a:r>
+              <a:rPr lang="en-US" altLang="zh-TW" sz="2000" dirty="0"/>
+              <a:t>Ziyang Chen, Yu-Peng Chen, Alex Shaw, </a:t>
+            </a:r>
+            <a:r>
+              <a:rPr lang="en-US" altLang="zh-TW" sz="2000" dirty="0" err="1"/>
+              <a:t>Aishat</a:t>
+            </a:r>
+            <a:r>
+              <a:rPr lang="en-US" altLang="zh-TW" sz="2000" dirty="0"/>
+              <a:t> </a:t>
+            </a:r>
+            <a:r>
+              <a:rPr lang="en-US" altLang="zh-TW" sz="2000" dirty="0" err="1"/>
+              <a:t>Aloba</a:t>
+            </a:r>
+            <a:r>
+              <a:rPr lang="en-US" altLang="zh-TW" sz="2000" dirty="0"/>
+              <a:t>, </a:t>
+            </a:r>
+            <a:r>
+              <a:rPr lang="en-US" altLang="zh-TW" sz="2000" dirty="0" err="1"/>
+              <a:t>Pavlo</a:t>
+            </a:r>
+            <a:r>
+              <a:rPr lang="en-US" altLang="zh-TW" sz="2000" dirty="0"/>
+              <a:t> </a:t>
+            </a:r>
+            <a:r>
+              <a:rPr lang="en-US" altLang="zh-TW" sz="2000" dirty="0" err="1"/>
+              <a:t>Antonenko</a:t>
+            </a:r>
+            <a:r>
+              <a:rPr lang="en-US" altLang="zh-TW" sz="2000" dirty="0"/>
+              <a:t>, Jaime Ruiz, Lisa Anthony</a:t>
+            </a:r>
+            <a:endParaRPr lang="en-US" altLang="zh-TW" sz="2400" b="1" dirty="0">
+              <a:latin typeface="+mn-ea"/>
+            </a:endParaRPr>
+          </a:p>
+        </p:txBody>
+      </p:sp>
+      <p:sp>
+        <p:nvSpPr>
+          <p:cNvPr id="6" name="副標題 2">
+            <a:extLst>
+              <a:ext uri="{FF2B5EF4-FFF2-40B4-BE49-F238E27FC236}">
+                <a16:creationId xmlns:a16="http://schemas.microsoft.com/office/drawing/2014/main" id="{130BF321-D596-4473-85F5-03BB6D4C2165}"/>
+              </a:ext>
+            </a:extLst>
+          </p:cNvPr>
+          <p:cNvSpPr txBox="1">
+            <a:spLocks/>
+          </p:cNvSpPr>
+          <p:nvPr/>
+        </p:nvSpPr>
+        <p:spPr>
+          <a:xfrm>
+            <a:off x="689046" y="4768948"/>
+            <a:ext cx="6087980" cy="475419"/>
+          </a:xfrm>
+          <a:prstGeom prst="rect">
+            <a:avLst/>
+          </a:prstGeom>
+          <a:noFill/>
+        </p:spPr>
+        <p:txBody>
+          <a:bodyPr vert="horz" lIns="91440" tIns="45720" rIns="91440" bIns="45720" rtlCol="0">
+            <a:normAutofit/>
+          </a:bodyPr>
+          <a:lstStyle>
+            <a:lvl1pPr marL="0" indent="0" algn="ctr" defTabSz="914400" rtl="0" eaLnBrk="1" latinLnBrk="0" hangingPunct="1">
+              <a:lnSpc>
+                <a:spcPct val="100000"/>
+              </a:lnSpc>
+              <a:spcBef>
+                <a:spcPts val="1000"/>
+              </a:spcBef>
+              <a:buClr>
+                <a:schemeClr val="accent2"/>
+              </a:buClr>
+              <a:buFont typeface="Arial" panose="020B0604020202020204" pitchFamily="34" charset="0"/>
+              <a:buNone/>
+              <a:defRPr sz="2000" kern="1200">
+                <a:solidFill>
+                  <a:schemeClr val="tx1">
+                    <a:lumMod val="75000"/>
+                    <a:lumOff val="25000"/>
+                  </a:schemeClr>
+                </a:solidFill>
+                <a:latin typeface="+mn-lt"/>
+                <a:ea typeface="+mn-ea"/>
+                <a:cs typeface="+mn-cs"/>
+              </a:defRPr>
+            </a:lvl1pPr>
+            <a:lvl2pPr marL="457200" indent="0" algn="ctr" defTabSz="914400" rtl="0" eaLnBrk="1" latinLnBrk="0" hangingPunct="1">
+              <a:lnSpc>
+                <a:spcPct val="100000"/>
+              </a:lnSpc>
+              <a:spcBef>
+                <a:spcPts val="1000"/>
+              </a:spcBef>
+              <a:buClr>
+                <a:schemeClr val="accent2"/>
+              </a:buClr>
+              <a:buFont typeface="Arial" panose="020B0604020202020204" pitchFamily="34" charset="0"/>
+              <a:buNone/>
+              <a:defRPr sz="2000" kern="1200">
+                <a:solidFill>
+                  <a:schemeClr val="tx1">
+                    <a:lumMod val="85000"/>
+                    <a:lumOff val="15000"/>
+                  </a:schemeClr>
+                </a:solidFill>
+                <a:latin typeface="+mn-lt"/>
+                <a:ea typeface="+mn-ea"/>
+                <a:cs typeface="+mn-cs"/>
+              </a:defRPr>
+            </a:lvl2pPr>
+            <a:lvl3pPr marL="914400" indent="0" algn="ctr" defTabSz="914400" rtl="0" eaLnBrk="1" latinLnBrk="0" hangingPunct="1">
+              <a:lnSpc>
+                <a:spcPct val="100000"/>
+              </a:lnSpc>
+              <a:spcBef>
+                <a:spcPts val="1000"/>
+              </a:spcBef>
+              <a:buClr>
+                <a:schemeClr val="accent2"/>
+              </a:buClr>
+              <a:buFont typeface="Arial" panose="020B0604020202020204" pitchFamily="34" charset="0"/>
+              <a:buNone/>
+              <a:defRPr sz="1800" kern="1200">
+                <a:solidFill>
+                  <a:schemeClr val="tx1">
+                    <a:lumMod val="85000"/>
+                    <a:lumOff val="15000"/>
+                  </a:schemeClr>
+                </a:solidFill>
+                <a:latin typeface="+mn-lt"/>
+                <a:ea typeface="+mn-ea"/>
+                <a:cs typeface="+mn-cs"/>
+              </a:defRPr>
+            </a:lvl3pPr>
+            <a:lvl4pPr marL="1371600" indent="0" algn="ctr" defTabSz="914400" rtl="0" eaLnBrk="1" latinLnBrk="0" hangingPunct="1">
+              <a:lnSpc>
+                <a:spcPct val="100000"/>
+              </a:lnSpc>
+              <a:spcBef>
+                <a:spcPts val="1000"/>
+              </a:spcBef>
+              <a:buClr>
+                <a:schemeClr val="accent2"/>
+              </a:buClr>
+              <a:buFont typeface="Arial" panose="020B0604020202020204" pitchFamily="34" charset="0"/>
+              <a:buNone/>
+              <a:defRPr sz="1600" kern="1200">
+                <a:solidFill>
+                  <a:schemeClr val="tx1">
+                    <a:lumMod val="85000"/>
+                    <a:lumOff val="15000"/>
+                  </a:schemeClr>
+                </a:solidFill>
+                <a:latin typeface="+mn-lt"/>
+                <a:ea typeface="+mn-ea"/>
+                <a:cs typeface="+mn-cs"/>
+              </a:defRPr>
+            </a:lvl4pPr>
+            <a:lvl5pPr marL="1828800" indent="0" algn="ctr" defTabSz="914400" rtl="0" eaLnBrk="1" latinLnBrk="0" hangingPunct="1">
+              <a:lnSpc>
+                <a:spcPct val="100000"/>
+              </a:lnSpc>
+              <a:spcBef>
+                <a:spcPts val="1000"/>
+              </a:spcBef>
+              <a:buClr>
+                <a:schemeClr val="accent2"/>
+              </a:buClr>
+              <a:buFont typeface="Arial" panose="020B0604020202020204" pitchFamily="34" charset="0"/>
+              <a:buNone/>
+              <a:defRPr sz="1600" kern="1200">
+                <a:solidFill>
+                  <a:schemeClr val="tx1">
+                    <a:lumMod val="85000"/>
+                    <a:lumOff val="15000"/>
+                  </a:schemeClr>
+                </a:solidFill>
+                <a:latin typeface="+mn-lt"/>
+                <a:ea typeface="+mn-ea"/>
+                <a:cs typeface="+mn-cs"/>
+              </a:defRPr>
+            </a:lvl5pPr>
+            <a:lvl6pPr marL="2286000" indent="0" algn="ctr" defTabSz="914400" rtl="0" eaLnBrk="1" latinLnBrk="0" hangingPunct="1">
+              <a:lnSpc>
+                <a:spcPct val="100000"/>
+              </a:lnSpc>
+              <a:spcBef>
+                <a:spcPts val="1000"/>
+              </a:spcBef>
+              <a:buClr>
+                <a:schemeClr val="accent2"/>
+              </a:buClr>
+              <a:buFont typeface="Arial" panose="020B0604020202020204" pitchFamily="34" charset="0"/>
+              <a:buNone/>
+              <a:defRPr sz="1600" kern="1200">
+                <a:solidFill>
+                  <a:schemeClr val="tx1"/>
+                </a:solidFill>
+                <a:latin typeface="+mn-lt"/>
+                <a:ea typeface="+mn-ea"/>
+                <a:cs typeface="+mn-cs"/>
+              </a:defRPr>
+            </a:lvl6pPr>
+            <a:lvl7pPr marL="2743200" indent="0" algn="ctr" defTabSz="914400" rtl="0" eaLnBrk="1" latinLnBrk="0" hangingPunct="1">
+              <a:lnSpc>
+                <a:spcPct val="100000"/>
+              </a:lnSpc>
+              <a:spcBef>
+                <a:spcPts val="1000"/>
+              </a:spcBef>
+              <a:buClr>
+                <a:schemeClr val="accent2"/>
+              </a:buClr>
+              <a:buFont typeface="Arial" panose="020B0604020202020204" pitchFamily="34" charset="0"/>
+              <a:buNone/>
+              <a:defRPr sz="1600" kern="1200">
+                <a:solidFill>
+                  <a:schemeClr val="tx1"/>
+                </a:solidFill>
+                <a:latin typeface="+mn-lt"/>
+                <a:ea typeface="+mn-ea"/>
+                <a:cs typeface="+mn-cs"/>
+              </a:defRPr>
+            </a:lvl7pPr>
+            <a:lvl8pPr marL="3200400" indent="0" algn="ctr" defTabSz="914400" rtl="0" eaLnBrk="1" latinLnBrk="0" hangingPunct="1">
+              <a:lnSpc>
+                <a:spcPct val="100000"/>
+              </a:lnSpc>
+              <a:spcBef>
+                <a:spcPts val="1000"/>
+              </a:spcBef>
+              <a:buClr>
+                <a:schemeClr val="accent2"/>
+              </a:buClr>
+              <a:buFont typeface="Arial" panose="020B0604020202020204" pitchFamily="34" charset="0"/>
+              <a:buNone/>
+              <a:defRPr sz="1600" kern="1200" baseline="0">
+                <a:solidFill>
+                  <a:schemeClr val="tx1"/>
+                </a:solidFill>
+                <a:latin typeface="+mn-lt"/>
+                <a:ea typeface="+mn-ea"/>
+                <a:cs typeface="+mn-cs"/>
+              </a:defRPr>
+            </a:lvl8pPr>
+            <a:lvl9pPr marL="3657600" indent="0" algn="ctr" defTabSz="914400" rtl="0" eaLnBrk="1" latinLnBrk="0" hangingPunct="1">
+              <a:lnSpc>
+                <a:spcPct val="100000"/>
+              </a:lnSpc>
+              <a:spcBef>
+                <a:spcPts val="1000"/>
+              </a:spcBef>
+              <a:buClr>
+                <a:schemeClr val="accent2"/>
+              </a:buClr>
+              <a:buFont typeface="Arial" panose="020B0604020202020204" pitchFamily="34" charset="0"/>
+              <a:buNone/>
+              <a:defRPr sz="1600" kern="1200" baseline="0">
+                <a:solidFill>
+                  <a:schemeClr val="tx1"/>
+                </a:solidFill>
+                <a:latin typeface="+mn-lt"/>
+                <a:ea typeface="+mn-ea"/>
+                <a:cs typeface="+mn-cs"/>
+              </a:defRPr>
+            </a:lvl9pPr>
+          </a:lstStyle>
+          <a:p>
+            <a:pPr algn="l"/>
+            <a:r>
+              <a:rPr lang="en-US" altLang="zh-TW" sz="1600" dirty="0"/>
+              <a:t>ICMI '20, October 25–29, 2020, Virtual Event, Netherlands</a:t>
+            </a:r>
+            <a:endParaRPr lang="en-US" altLang="zh-TW" sz="1800" b="1" dirty="0">
               <a:latin typeface="+mn-ea"/>
             </a:endParaRPr>
           </a:p>
@@ -10570,7 +11093,7 @@
                 <a:latin typeface="+mn-ea"/>
                 <a:cs typeface="Times New Roman" panose="02020603050405020304" pitchFamily="18" charset="0"/>
               </a:rPr>
-              <a:t>階段一。參與者使用</a:t>
+              <a:t>階段一，參與者使用</a:t>
             </a:r>
             <a:r>
               <a:rPr lang="en-US" altLang="zh-TW" sz="2400" b="1" dirty="0">
@@ -16965,7 +17488,7 @@
                 <a:latin typeface="+mn-ea"/>
                 <a:cs typeface="Times New Roman" panose="02020603050405020304" pitchFamily="18" charset="0"/>
               </a:rPr>
-              <a:t>在目標任務中，我們發現目標失誤率與年齡、年級、運動技能和執行功能之間存在適度的關聯。</a:t>
+              <a:t>在目標任務中，發現目標失誤率與年齡、年級、運動技能和執行功能之間存在適度的關聯。</a:t>
             </a:r>
           </a:p>
           <a:p>
@@ -16980,7 +17503,7 @@
                 <a:latin typeface="+mn-ea"/>
                 <a:cs typeface="Times New Roman" panose="02020603050405020304" pitchFamily="18" charset="0"/>
               </a:rPr>
-              <a:t>在手勢繪畫任務中，我們也發現年齡、年級和運動技能之間有適度的相關性。</a:t>
+              <a:t>在手勢繪畫任務中，也發現年齡、年級和運動技能之間有適度的相關性。</a:t>
             </a:r>
           </a:p>
           <a:p>
@@ -17053,7 +17576,7 @@
                 <a:latin typeface="+mn-ea"/>
                 <a:cs typeface="Times New Roman" panose="02020603050405020304" pitchFamily="18" charset="0"/>
               </a:rPr>
-              <a:t>我們認為，這是因為與目標觸摸任務相比，手勢畫任務和兒童在學校發展的寫作技能之間有直接的映射關系。</a:t>
+              <a:t>作者認為，這是因為與目標觸摸任務相比，手勢畫任務和兒童在學校發展的繪畫技能之間有直接的關系。</a:t>
             </a:r>
           </a:p>
         </p:txBody>
@@ -17396,7 +17919,7 @@
                 <a:latin typeface="+mn-ea"/>
                 <a:cs typeface="Times New Roman" panose="02020603050405020304" pitchFamily="18" charset="0"/>
               </a:rPr>
-              <a:t>兒童在目標任務上的表現可能與他們使用觸摸屏設備的經驗數量而非學校教育有更大關系。</a:t>
+              <a:t>兒童在目標任務上的表現可能與他們使用觸控式設備的經驗數量而非學校教育有更大關系。</a:t>
             </a:r>
           </a:p>
           <a:p>
@@ -17426,14 +17949,31 @@
                 <a:latin typeface="+mn-ea"/>
                 <a:cs typeface="Times New Roman" panose="02020603050405020304" pitchFamily="18" charset="0"/>
               </a:rPr>
-              <a:t>通過對目標失誤率的單因素方差分析，發現年齡的主效應很明顯（</a:t>
+              <a:t>通過對目標失誤率的</a:t>
+            </a:r>
+            <a:r>
+              <a:rPr lang="en-US" altLang="zh-TW" sz="2400" b="0" i="0" dirty="0">
+                <a:solidFill>
+                  <a:srgbClr val="4D5156"/>
+                </a:solidFill>
+                <a:effectLst/>
+                <a:latin typeface="arial" panose="020B0604020202020204" pitchFamily="34" charset="0"/>
+              </a:rPr>
+              <a:t>ANOVA</a:t>
+            </a:r>
+            <a:r>
+              <a:rPr lang="zh-TW" altLang="en-US" sz="2400" b="1" dirty="0">
+                <a:latin typeface="+mn-ea"/>
+                <a:cs typeface="Times New Roman" panose="02020603050405020304" pitchFamily="18" charset="0"/>
+              </a:rPr>
+              <a:t>分析，發現年齡的主效應很明顯（</a:t>
             </a:r>
             <a:r>
               <a:rPr lang="en-US" altLang="zh-TW" sz="2400" b="1" dirty="0">
                 <a:latin typeface="+mn-ea"/>
                 <a:cs typeface="Times New Roman" panose="02020603050405020304" pitchFamily="18" charset="0"/>
               </a:rPr>
-              <a:t>F3,24 = 7.54, p &lt; 0.05</a:t>
+              <a:t>F = 7.54, p &lt; 0.05</a:t>
             </a:r>
             <a:r>
               <a:rPr lang="zh-TW" altLang="en-US" sz="2400" b="1" dirty="0">
@@ -17462,7 +18002,21 @@
                 <a:latin typeface="+mn-ea"/>
                 <a:cs typeface="Times New Roman" panose="02020603050405020304" pitchFamily="18" charset="0"/>
               </a:rPr>
-              <a:t>F3,24 = 7.63, p &lt; 0.05</a:t>
+              <a:t>F</a:t>
+            </a:r>
+            <a:r>
+              <a:rPr lang="zh-TW" altLang="en-US" sz="2400" b="1" dirty="0">
+                <a:latin typeface="+mn-ea"/>
+                <a:cs typeface="Times New Roman" panose="02020603050405020304" pitchFamily="18" charset="0"/>
+              </a:rPr>
+              <a:t> </a:t>
+            </a:r>
+            <a:r>
+              <a:rPr lang="en-US" altLang="zh-TW" sz="2400" b="1" dirty="0">
+                <a:latin typeface="+mn-ea"/>
+                <a:cs typeface="Times New Roman" panose="02020603050405020304" pitchFamily="18" charset="0"/>
+              </a:rPr>
+              <a:t>= 7.63, p &lt; 0.05</a:t>
             </a:r>
             <a:r>
               <a:rPr lang="zh-TW" altLang="en-US" sz="2400" b="1" dirty="0">
@@ -18205,7 +18759,7 @@
                 <a:latin typeface="+mn-ea"/>
                 <a:cs typeface="Times New Roman" panose="02020603050405020304" pitchFamily="18" charset="0"/>
               </a:rPr>
-              <a:t>我們的結果顯示，使用運動技能和執行功能作為考察觸摸屏互動的透鏡，除了像以前的工作那樣簡單地看年齡外，並沒有提供更多的細微差別。</a:t>
+              <a:t>結果顯示，使用運動技能和執行功能考察觸控式設備的互動，除了像以前的工作那樣簡單地看年齡外，並沒有提供更多的細微差別。</a:t>
             </a:r>
           </a:p>
           <a:p>
@@ -18220,7 +18774,7 @@
                 <a:latin typeface="+mn-ea"/>
                 <a:cs typeface="Times New Roman" panose="02020603050405020304" pitchFamily="18" charset="0"/>
               </a:rPr>
-              <a:t>與高運動技能相比，低運動技能一般會預示著糟糕的表現，但年齡與表現之間的關系以及年級與表現之間的關系也可以這麽說。</a:t>
+              <a:t>與高運動技能相比，低運動技能一般會有著糟糕的表現，年齡和年級的關係也是。</a:t>
             </a:r>
           </a:p>
           <a:p>
@@ -18235,7 +18789,7 @@
                 <a:latin typeface="+mn-ea"/>
                 <a:cs typeface="Times New Roman" panose="02020603050405020304" pitchFamily="18" charset="0"/>
               </a:rPr>
-              <a:t>因此，我們的結論是，研究人員在研究兒童的觸摸屏互動時，使用年齡或年級作為發展水平的替代是合理的，特別是考慮到測量兒童的認知和運動技能所帶來的額外開銷。</a:t>
+              <a:t>因此，我們的結論是，研究人員在研究兒童的觸控式互動時，使用年齡或年級作為發展水平的評估是合理的。</a:t>
             </a:r>
           </a:p>
         </p:txBody>
@@ -19298,7 +19852,7 @@
         </p:spPr>
         <p:txBody>
           <a:bodyPr>
-            <a:normAutofit lnSpcReduction="10000"/>
+            <a:normAutofit/>
           </a:bodyPr>
           <a:lstStyle/>
           <a:p>
@@ -19307,7 +19861,21 @@
                 <a:latin typeface="+mn-ea"/>
                 <a:cs typeface="Times New Roman" panose="02020603050405020304" pitchFamily="18" charset="0"/>
               </a:rPr>
-              <a:t>我們的工作有幾個局限性。</a:t>
+              <a:t>文中使用了認知發展的兩個維度，基於</a:t>
+            </a:r>
+            <a:r>
+              <a:rPr lang="en-US" altLang="zh-TW" sz="2400" b="1" dirty="0">
+                <a:latin typeface="+mn-ea"/>
+                <a:cs typeface="Times New Roman" panose="02020603050405020304" pitchFamily="18" charset="0"/>
+              </a:rPr>
+              <a:t>NIH Toolbox® 9</a:t>
+            </a:r>
+            <a:r>
+              <a:rPr lang="zh-TW" altLang="en-US" sz="2400" b="1" dirty="0">
+                <a:latin typeface="+mn-ea"/>
+                <a:cs typeface="Times New Roman" panose="02020603050405020304" pitchFamily="18" charset="0"/>
+              </a:rPr>
+              <a:t>孔釘板靈活性測試和維度變化卡片分類測試，但還有其他的測量方法可以進一步了解兒童的觸摸屏互動。</a:t>
             </a:r>
           </a:p>
           <a:p>
@@ -19322,52 +19890,17 @@
                 <a:latin typeface="+mn-ea"/>
                 <a:cs typeface="Times New Roman" panose="02020603050405020304" pitchFamily="18" charset="0"/>
               </a:rPr>
-              <a:t>我們使用了認知發展的兩個維度，基於</a:t>
-            </a:r>
-            <a:r>
-              <a:rPr lang="en-US" altLang="zh-TW" sz="2400" b="1" dirty="0">
-                <a:latin typeface="+mn-ea"/>
-                <a:cs typeface="Times New Roman" panose="02020603050405020304" pitchFamily="18" charset="0"/>
-              </a:rPr>
-              <a:t>NIH Toolbox® 9</a:t>
-            </a:r>
-            <a:r>
-              <a:rPr lang="zh-TW" altLang="en-US" sz="2400" b="1" dirty="0">
-                <a:latin typeface="+mn-ea"/>
-                <a:cs typeface="Times New Roman" panose="02020603050405020304" pitchFamily="18" charset="0"/>
-              </a:rPr>
-              <a:t>孔釘板靈活性測試和維度變化卡片分類測試，但還有其他的測量方法可以進一步了解兒童的觸摸屏互動。</a:t>
-            </a:r>
-          </a:p>
-          <a:p>
+              <a:t>例如，握力測試可以為兒童如何與基於手寫筆的應用軟體互動提供新的見解。</a:t>
+            </a:r>
+          </a:p>
+          <a:p>
+            <a:pPr marL="0" indent="0">
+              <a:buNone/>
+            </a:pPr>
             <a:endParaRPr lang="zh-TW" altLang="en-US" sz="2400" b="1" dirty="0">
               <a:latin typeface="+mn-ea"/>
               <a:cs typeface="Times New Roman" panose="02020603050405020304" pitchFamily="18" charset="0"/>
             </a:endParaRPr>
-          </a:p>
-          <a:p>
-            <a:r>
-              <a:rPr lang="zh-TW" altLang="en-US" sz="2400" b="1" dirty="0">
-                <a:latin typeface="+mn-ea"/>
-                <a:cs typeface="Times New Roman" panose="02020603050405020304" pitchFamily="18" charset="0"/>
-              </a:rPr>
-              <a:t>例如，握力測試可以為兒童如何與基於手寫筆的應用程序互動提供新的見解。</a:t>
-            </a:r>
-          </a:p>
-          <a:p>
-            <a:endParaRPr lang="zh-TW" altLang="en-US" sz="2400" b="1" dirty="0">
-              <a:latin typeface="+mn-ea"/>
-              <a:cs typeface="Times New Roman" panose="02020603050405020304" pitchFamily="18" charset="0"/>
-            </a:endParaRPr>
-          </a:p>
-          <a:p>
-            <a:r>
-              <a:rPr lang="zh-TW" altLang="en-US" sz="2400" b="1" dirty="0">
-                <a:latin typeface="+mn-ea"/>
-                <a:cs typeface="Times New Roman" panose="02020603050405020304" pitchFamily="18" charset="0"/>
-              </a:rPr>
-              <a:t>然而，我們選擇了我們認為最有可能與兒童與觸摸屏設備自然互動的方式緊密相連的因素，因為它們與典型的觸摸屏任務相似。</a:t>
-            </a:r>
           </a:p>
         </p:txBody>
       </p:sp>
@@ -19810,7 +20343,7 @@
                 <a:latin typeface="+mn-ea"/>
                 <a:cs typeface="Times New Roman" panose="02020603050405020304" pitchFamily="18" charset="0"/>
               </a:rPr>
-              <a:t>我們的結論是，年齡和年級的敏感度足以讓研究人員和設計師在研究兒童觸摸屏互動時加以考慮。</a:t>
+              <a:t>結論是，年齡和年級的敏感度足以讓研究人員和設計師在研究兒童觸摸屏互動時加以考慮。</a:t>
             </a:r>
           </a:p>
         </p:txBody>

--- a/我的論文/2021-9-26報告內容/2021-9-27.pptx
+++ b/我的論文/2021-9-26報告內容/2021-9-27.pptx
@@ -5,7 +5,7 @@
     <p:sldMasterId id="2147483856" r:id="rId1"/>
   </p:sldMasterIdLst>
   <p:notesMasterIdLst>
-    <p:notesMasterId r:id="rId35"/>
+    <p:notesMasterId r:id="rId33"/>
   </p:notesMasterIdLst>
   <p:sldIdLst>
     <p:sldId id="257" r:id="rId2"/>
@@ -36,11 +36,9 @@
     <p:sldId id="591" r:id="rId27"/>
     <p:sldId id="614" r:id="rId28"/>
     <p:sldId id="608" r:id="rId29"/>
-    <p:sldId id="687" r:id="rId30"/>
-    <p:sldId id="682" r:id="rId31"/>
-    <p:sldId id="627" r:id="rId32"/>
-    <p:sldId id="628" r:id="rId33"/>
-    <p:sldId id="512" r:id="rId34"/>
+    <p:sldId id="682" r:id="rId30"/>
+    <p:sldId id="627" r:id="rId31"/>
+    <p:sldId id="512" r:id="rId32"/>
   </p:sldIdLst>
   <p:sldSz cx="12192000" cy="6858000"/>
   <p:notesSz cx="6858000" cy="9144000"/>
@@ -229,7 +227,7 @@
           <a:p>
             <a:fld id="{2FD2D263-9899-40FF-A369-3B53A9679340}" type="datetimeFigureOut">
               <a:rPr lang="zh-TW" altLang="en-US" smtClean="0"/>
-              <a:t>2021/9/26</a:t>
+              <a:t>2021/9/27</a:t>
             </a:fld>
             <a:endParaRPr lang="zh-TW" altLang="en-US"/>
           </a:p>
@@ -3916,7 +3914,7 @@
       </p:grpSpPr>
       <p:sp>
         <p:nvSpPr>
-          <p:cNvPr id="2" name="Slide Image Placeholder 1"/>
+          <p:cNvPr id="2" name="投影片影像版面配置區 1"/>
           <p:cNvSpPr>
             <a:spLocks noGrp="1" noRot="1" noChangeAspect="1"/>
           </p:cNvSpPr>
@@ -3924,16 +3922,11 @@
             <p:ph type="sldImg"/>
           </p:nvPr>
         </p:nvSpPr>
-        <p:spPr>
-          <a:xfrm>
-            <a:off x="685800" y="1143000"/>
-            <a:ext cx="5486400" cy="3086100"/>
-          </a:xfrm>
-        </p:spPr>
-      </p:sp>
-      <p:sp>
-        <p:nvSpPr>
-          <p:cNvPr id="3" name="Notes Placeholder 2"/>
+        <p:spPr/>
+      </p:sp>
+      <p:sp>
+        <p:nvSpPr>
+          <p:cNvPr id="3" name="備忘稿版面配置區 2"/>
           <p:cNvSpPr>
             <a:spLocks noGrp="1"/>
           </p:cNvSpPr>
@@ -3946,123 +3939,18 @@
           <a:bodyPr/>
           <a:lstStyle/>
           <a:p>
-            <a:r>
-              <a:rPr lang="zh-TW" altLang="en-US" sz="1200" dirty="0">
-                <a:latin typeface="+mn-ea"/>
-                <a:cs typeface="Times New Roman" panose="02020603050405020304" pitchFamily="18" charset="0"/>
-              </a:rPr>
-              <a:t>此外，</a:t>
-            </a:r>
-            <a:r>
-              <a:rPr lang="en-US" altLang="zh-TW" sz="1200" dirty="0">
-                <a:latin typeface="+mn-ea"/>
-                <a:cs typeface="Times New Roman" panose="02020603050405020304" pitchFamily="18" charset="0"/>
-              </a:rPr>
-              <a:t>NEL </a:t>
-            </a:r>
-            <a:r>
-              <a:rPr lang="zh-TW" altLang="en-US" sz="1200" dirty="0">
-                <a:latin typeface="+mn-ea"/>
-                <a:cs typeface="Times New Roman" panose="02020603050405020304" pitchFamily="18" charset="0"/>
-              </a:rPr>
-              <a:t>課程框架沒有提出向兒童介紹或教授各種藝術形式的最佳頻率，這可能導致教師只專注於他們認為最有能力和最舒服的活動。 </a:t>
-            </a:r>
-          </a:p>
-          <a:p>
-            <a:endParaRPr lang="zh-TW" altLang="en-US" sz="1200" dirty="0">
-              <a:latin typeface="+mn-ea"/>
-              <a:cs typeface="Times New Roman" panose="02020603050405020304" pitchFamily="18" charset="0"/>
-            </a:endParaRPr>
-          </a:p>
-          <a:p>
-            <a:r>
-              <a:rPr lang="zh-TW" altLang="en-US" sz="1200" dirty="0">
-                <a:latin typeface="+mn-ea"/>
-                <a:cs typeface="Times New Roman" panose="02020603050405020304" pitchFamily="18" charset="0"/>
-              </a:rPr>
-              <a:t>事實上，根據新加坡職前教師教育計劃 </a:t>
-            </a:r>
-            <a:r>
-              <a:rPr lang="en-US" altLang="zh-TW" sz="1200" dirty="0">
-                <a:latin typeface="+mn-ea"/>
-                <a:cs typeface="Times New Roman" panose="02020603050405020304" pitchFamily="18" charset="0"/>
-              </a:rPr>
-              <a:t>(PQAC, 2008) </a:t>
-            </a:r>
-            <a:r>
-              <a:rPr lang="zh-TW" altLang="en-US" sz="1200" dirty="0">
-                <a:latin typeface="+mn-ea"/>
-                <a:cs typeface="Times New Roman" panose="02020603050405020304" pitchFamily="18" charset="0"/>
-              </a:rPr>
-              <a:t>所涵蓋的內容，許多學前教師可能覺得自己沒有充分準備教授戲劇</a:t>
-            </a:r>
-            <a:r>
-              <a:rPr lang="en-US" altLang="zh-TW" sz="1200" dirty="0">
-                <a:latin typeface="+mn-ea"/>
-                <a:cs typeface="Times New Roman" panose="02020603050405020304" pitchFamily="18" charset="0"/>
-              </a:rPr>
-              <a:t>/</a:t>
-            </a:r>
-            <a:r>
-              <a:rPr lang="zh-TW" altLang="en-US" sz="1200" dirty="0">
-                <a:latin typeface="+mn-ea"/>
-                <a:cs typeface="Times New Roman" panose="02020603050405020304" pitchFamily="18" charset="0"/>
-              </a:rPr>
-              <a:t>戲劇、音樂表演或舞蹈，因為缺乏這些特定藝術形式的培訓（</a:t>
-            </a:r>
-            <a:r>
-              <a:rPr lang="en-US" altLang="zh-TW" sz="1200" dirty="0">
-                <a:latin typeface="+mn-ea"/>
-                <a:cs typeface="Times New Roman" panose="02020603050405020304" pitchFamily="18" charset="0"/>
-              </a:rPr>
-              <a:t>Bautista</a:t>
-            </a:r>
-            <a:r>
-              <a:rPr lang="zh-TW" altLang="en-US" sz="1200" dirty="0">
-                <a:latin typeface="+mn-ea"/>
-                <a:cs typeface="Times New Roman" panose="02020603050405020304" pitchFamily="18" charset="0"/>
-              </a:rPr>
-              <a:t>、</a:t>
-            </a:r>
-            <a:r>
-              <a:rPr lang="en-US" altLang="zh-TW" sz="1200" dirty="0">
-                <a:latin typeface="+mn-ea"/>
-                <a:cs typeface="Times New Roman" panose="02020603050405020304" pitchFamily="18" charset="0"/>
-              </a:rPr>
-              <a:t>Ng </a:t>
-            </a:r>
-            <a:r>
-              <a:rPr lang="zh-TW" altLang="en-US" sz="1200" dirty="0">
-                <a:latin typeface="+mn-ea"/>
-                <a:cs typeface="Times New Roman" panose="02020603050405020304" pitchFamily="18" charset="0"/>
-              </a:rPr>
-              <a:t>等人，</a:t>
-            </a:r>
-            <a:r>
-              <a:rPr lang="en-US" altLang="zh-TW" sz="1200" dirty="0">
-                <a:latin typeface="+mn-ea"/>
-                <a:cs typeface="Times New Roman" panose="02020603050405020304" pitchFamily="18" charset="0"/>
-              </a:rPr>
-              <a:t>2016 </a:t>
-            </a:r>
-            <a:r>
-              <a:rPr lang="zh-TW" altLang="en-US" sz="1200" dirty="0">
-                <a:latin typeface="+mn-ea"/>
-                <a:cs typeface="Times New Roman" panose="02020603050405020304" pitchFamily="18" charset="0"/>
-              </a:rPr>
-              <a:t>年）。 </a:t>
-            </a:r>
-          </a:p>
-        </p:txBody>
-      </p:sp>
-      <p:sp>
-        <p:nvSpPr>
-          <p:cNvPr id="4" name="Slide Number Placeholder 3"/>
+            <a:endParaRPr lang="zh-TW" altLang="en-US" dirty="0"/>
+          </a:p>
+        </p:txBody>
+      </p:sp>
+      <p:sp>
+        <p:nvSpPr>
+          <p:cNvPr id="4" name="投影片編號版面配置區 3"/>
           <p:cNvSpPr>
             <a:spLocks noGrp="1"/>
           </p:cNvSpPr>
           <p:nvPr>
-            <p:ph type="sldNum" sz="quarter" idx="10"/>
+            <p:ph type="sldNum" sz="quarter" idx="5"/>
           </p:nvPr>
         </p:nvSpPr>
         <p:spPr/>
@@ -4070,18 +3958,18 @@
           <a:bodyPr/>
           <a:lstStyle/>
           <a:p>
-            <a:fld id="{1492863F-2181-40AA-9D10-26C0A01C7A52}" type="slidenum">
-              <a:rPr lang="en-US" smtClean="0"/>
+            <a:fld id="{A7B276DB-846E-4D6B-84FB-438D4AE01D9E}" type="slidenum">
+              <a:rPr lang="zh-TW" altLang="en-US" smtClean="0"/>
               <a:t>29</a:t>
             </a:fld>
-            <a:endParaRPr lang="en-US"/>
+            <a:endParaRPr lang="zh-TW" altLang="en-US"/>
           </a:p>
         </p:txBody>
       </p:sp>
     </p:spTree>
     <p:extLst>
       <p:ext uri="{BB962C8B-B14F-4D97-AF65-F5344CB8AC3E}">
-        <p14:creationId xmlns:p14="http://schemas.microsoft.com/office/powerpoint/2010/main" val="4078780541"/>
+        <p14:creationId xmlns:p14="http://schemas.microsoft.com/office/powerpoint/2010/main" val="3895842051"/>
       </p:ext>
     </p:extLst>
   </p:cSld>
@@ -4205,7 +4093,7 @@
       </p:grpSpPr>
       <p:sp>
         <p:nvSpPr>
-          <p:cNvPr id="2" name="投影片影像版面配置區 1"/>
+          <p:cNvPr id="2" name="Slide Image Placeholder 1"/>
           <p:cNvSpPr>
             <a:spLocks noGrp="1" noRot="1" noChangeAspect="1"/>
           </p:cNvSpPr>
@@ -4213,11 +4101,16 @@
             <p:ph type="sldImg"/>
           </p:nvPr>
         </p:nvSpPr>
-        <p:spPr/>
-      </p:sp>
-      <p:sp>
-        <p:nvSpPr>
-          <p:cNvPr id="3" name="備忘稿版面配置區 2"/>
+        <p:spPr>
+          <a:xfrm>
+            <a:off x="685800" y="1143000"/>
+            <a:ext cx="5486400" cy="3086100"/>
+          </a:xfrm>
+        </p:spPr>
+      </p:sp>
+      <p:sp>
+        <p:nvSpPr>
+          <p:cNvPr id="3" name="Notes Placeholder 2"/>
           <p:cNvSpPr>
             <a:spLocks noGrp="1"/>
           </p:cNvSpPr>
@@ -4230,18 +4123,39 @@
           <a:bodyPr/>
           <a:lstStyle/>
           <a:p>
-            <a:endParaRPr lang="zh-TW" altLang="en-US" dirty="0"/>
-          </a:p>
-        </p:txBody>
-      </p:sp>
-      <p:sp>
-        <p:nvSpPr>
-          <p:cNvPr id="4" name="投影片編號版面配置區 3"/>
+            <a:pPr marL="0" marR="0" indent="0" algn="l" defTabSz="914400" rtl="0" eaLnBrk="1" fontAlgn="auto" latinLnBrk="0" hangingPunct="1">
+              <a:lnSpc>
+                <a:spcPct val="100000"/>
+              </a:lnSpc>
+              <a:spcBef>
+                <a:spcPts val="0"/>
+              </a:spcBef>
+              <a:spcAft>
+                <a:spcPts val="0"/>
+              </a:spcAft>
+              <a:buClrTx/>
+              <a:buSzTx/>
+              <a:buFontTx/>
+              <a:buNone/>
+              <a:tabLst/>
+              <a:defRPr/>
+            </a:pPr>
+            <a:endParaRPr lang="en-US" sz="1200" dirty="0">
+              <a:solidFill>
+                <a:prstClr val="black"/>
+              </a:solidFill>
+            </a:endParaRPr>
+          </a:p>
+        </p:txBody>
+      </p:sp>
+      <p:sp>
+        <p:nvSpPr>
+          <p:cNvPr id="4" name="Slide Number Placeholder 3"/>
           <p:cNvSpPr>
             <a:spLocks noGrp="1"/>
           </p:cNvSpPr>
           <p:nvPr>
-            <p:ph type="sldNum" sz="quarter" idx="5"/>
+            <p:ph type="sldNum" sz="quarter" idx="10"/>
           </p:nvPr>
         </p:nvSpPr>
         <p:spPr/>
@@ -4249,18 +4163,18 @@
           <a:bodyPr/>
           <a:lstStyle/>
           <a:p>
-            <a:fld id="{A7B276DB-846E-4D6B-84FB-438D4AE01D9E}" type="slidenum">
-              <a:rPr lang="zh-TW" altLang="en-US" smtClean="0"/>
+            <a:fld id="{1492863F-2181-40AA-9D10-26C0A01C7A52}" type="slidenum">
+              <a:rPr lang="en-US" smtClean="0"/>
               <a:t>30</a:t>
             </a:fld>
-            <a:endParaRPr lang="zh-TW" altLang="en-US"/>
+            <a:endParaRPr lang="en-US"/>
           </a:p>
         </p:txBody>
       </p:sp>
     </p:spTree>
     <p:extLst>
       <p:ext uri="{BB962C8B-B14F-4D97-AF65-F5344CB8AC3E}">
-        <p14:creationId xmlns:p14="http://schemas.microsoft.com/office/powerpoint/2010/main" val="3895842051"/>
+        <p14:creationId xmlns:p14="http://schemas.microsoft.com/office/powerpoint/2010/main" val="3837209061"/>
       </p:ext>
     </p:extLst>
   </p:cSld>
@@ -4289,226 +4203,6 @@
       </p:grpSpPr>
       <p:sp>
         <p:nvSpPr>
-          <p:cNvPr id="2" name="Slide Image Placeholder 1"/>
-          <p:cNvSpPr>
-            <a:spLocks noGrp="1" noRot="1" noChangeAspect="1"/>
-          </p:cNvSpPr>
-          <p:nvPr>
-            <p:ph type="sldImg"/>
-          </p:nvPr>
-        </p:nvSpPr>
-        <p:spPr>
-          <a:xfrm>
-            <a:off x="685800" y="1143000"/>
-            <a:ext cx="5486400" cy="3086100"/>
-          </a:xfrm>
-        </p:spPr>
-      </p:sp>
-      <p:sp>
-        <p:nvSpPr>
-          <p:cNvPr id="3" name="Notes Placeholder 2"/>
-          <p:cNvSpPr>
-            <a:spLocks noGrp="1"/>
-          </p:cNvSpPr>
-          <p:nvPr>
-            <p:ph type="body" idx="1"/>
-          </p:nvPr>
-        </p:nvSpPr>
-        <p:spPr/>
-        <p:txBody>
-          <a:bodyPr/>
-          <a:lstStyle/>
-          <a:p>
-            <a:pPr marL="0" marR="0" indent="0" algn="l" defTabSz="914400" rtl="0" eaLnBrk="1" fontAlgn="auto" latinLnBrk="0" hangingPunct="1">
-              <a:lnSpc>
-                <a:spcPct val="100000"/>
-              </a:lnSpc>
-              <a:spcBef>
-                <a:spcPts val="0"/>
-              </a:spcBef>
-              <a:spcAft>
-                <a:spcPts val="0"/>
-              </a:spcAft>
-              <a:buClrTx/>
-              <a:buSzTx/>
-              <a:buFontTx/>
-              <a:buNone/>
-              <a:tabLst/>
-              <a:defRPr/>
-            </a:pPr>
-            <a:endParaRPr lang="en-US" sz="1200" dirty="0">
-              <a:solidFill>
-                <a:prstClr val="black"/>
-              </a:solidFill>
-            </a:endParaRPr>
-          </a:p>
-        </p:txBody>
-      </p:sp>
-      <p:sp>
-        <p:nvSpPr>
-          <p:cNvPr id="4" name="Slide Number Placeholder 3"/>
-          <p:cNvSpPr>
-            <a:spLocks noGrp="1"/>
-          </p:cNvSpPr>
-          <p:nvPr>
-            <p:ph type="sldNum" sz="quarter" idx="10"/>
-          </p:nvPr>
-        </p:nvSpPr>
-        <p:spPr/>
-        <p:txBody>
-          <a:bodyPr/>
-          <a:lstStyle/>
-          <a:p>
-            <a:fld id="{1492863F-2181-40AA-9D10-26C0A01C7A52}" type="slidenum">
-              <a:rPr lang="en-US" smtClean="0"/>
-              <a:t>31</a:t>
-            </a:fld>
-            <a:endParaRPr lang="en-US"/>
-          </a:p>
-        </p:txBody>
-      </p:sp>
-    </p:spTree>
-    <p:extLst>
-      <p:ext uri="{BB962C8B-B14F-4D97-AF65-F5344CB8AC3E}">
-        <p14:creationId xmlns:p14="http://schemas.microsoft.com/office/powerpoint/2010/main" val="3837209061"/>
-      </p:ext>
-    </p:extLst>
-  </p:cSld>
-  <p:clrMapOvr>
-    <a:masterClrMapping/>
-  </p:clrMapOvr>
-</p:notes>
-</file>
-
-<file path=ppt/notesSlides/notesSlide32.xml><?xml version="1.0" encoding="utf-8"?>
-<p:notes xmlns:a="http://schemas.openxmlformats.org/drawingml/2006/main" xmlns:r="http://schemas.openxmlformats.org/officeDocument/2006/relationships" xmlns:p="http://schemas.openxmlformats.org/presentationml/2006/main">
-  <p:cSld>
-    <p:spTree>
-      <p:nvGrpSpPr>
-        <p:cNvPr id="1" name=""/>
-        <p:cNvGrpSpPr/>
-        <p:nvPr/>
-      </p:nvGrpSpPr>
-      <p:grpSpPr>
-        <a:xfrm>
-          <a:off x="0" y="0"/>
-          <a:ext cx="0" cy="0"/>
-          <a:chOff x="0" y="0"/>
-          <a:chExt cx="0" cy="0"/>
-        </a:xfrm>
-      </p:grpSpPr>
-      <p:sp>
-        <p:nvSpPr>
-          <p:cNvPr id="2" name="Slide Image Placeholder 1"/>
-          <p:cNvSpPr>
-            <a:spLocks noGrp="1" noRot="1" noChangeAspect="1"/>
-          </p:cNvSpPr>
-          <p:nvPr>
-            <p:ph type="sldImg"/>
-          </p:nvPr>
-        </p:nvSpPr>
-        <p:spPr>
-          <a:xfrm>
-            <a:off x="685800" y="1143000"/>
-            <a:ext cx="5486400" cy="3086100"/>
-          </a:xfrm>
-        </p:spPr>
-      </p:sp>
-      <p:sp>
-        <p:nvSpPr>
-          <p:cNvPr id="3" name="Notes Placeholder 2"/>
-          <p:cNvSpPr>
-            <a:spLocks noGrp="1"/>
-          </p:cNvSpPr>
-          <p:nvPr>
-            <p:ph type="body" idx="1"/>
-          </p:nvPr>
-        </p:nvSpPr>
-        <p:spPr/>
-        <p:txBody>
-          <a:bodyPr/>
-          <a:lstStyle/>
-          <a:p>
-            <a:pPr marL="0" marR="0" indent="0" algn="l" defTabSz="914400" rtl="0" eaLnBrk="1" fontAlgn="auto" latinLnBrk="0" hangingPunct="1">
-              <a:lnSpc>
-                <a:spcPct val="100000"/>
-              </a:lnSpc>
-              <a:spcBef>
-                <a:spcPts val="0"/>
-              </a:spcBef>
-              <a:spcAft>
-                <a:spcPts val="0"/>
-              </a:spcAft>
-              <a:buClrTx/>
-              <a:buSzTx/>
-              <a:buFontTx/>
-              <a:buNone/>
-              <a:tabLst/>
-              <a:defRPr/>
-            </a:pPr>
-            <a:endParaRPr lang="en-US" sz="1200" dirty="0">
-              <a:solidFill>
-                <a:prstClr val="black"/>
-              </a:solidFill>
-            </a:endParaRPr>
-          </a:p>
-        </p:txBody>
-      </p:sp>
-      <p:sp>
-        <p:nvSpPr>
-          <p:cNvPr id="4" name="Slide Number Placeholder 3"/>
-          <p:cNvSpPr>
-            <a:spLocks noGrp="1"/>
-          </p:cNvSpPr>
-          <p:nvPr>
-            <p:ph type="sldNum" sz="quarter" idx="10"/>
-          </p:nvPr>
-        </p:nvSpPr>
-        <p:spPr/>
-        <p:txBody>
-          <a:bodyPr/>
-          <a:lstStyle/>
-          <a:p>
-            <a:fld id="{1492863F-2181-40AA-9D10-26C0A01C7A52}" type="slidenum">
-              <a:rPr lang="en-US" smtClean="0"/>
-              <a:t>32</a:t>
-            </a:fld>
-            <a:endParaRPr lang="en-US"/>
-          </a:p>
-        </p:txBody>
-      </p:sp>
-    </p:spTree>
-    <p:extLst>
-      <p:ext uri="{BB962C8B-B14F-4D97-AF65-F5344CB8AC3E}">
-        <p14:creationId xmlns:p14="http://schemas.microsoft.com/office/powerpoint/2010/main" val="2544619551"/>
-      </p:ext>
-    </p:extLst>
-  </p:cSld>
-  <p:clrMapOvr>
-    <a:masterClrMapping/>
-  </p:clrMapOvr>
-</p:notes>
-</file>
-
-<file path=ppt/notesSlides/notesSlide33.xml><?xml version="1.0" encoding="utf-8"?>
-<p:notes xmlns:a="http://schemas.openxmlformats.org/drawingml/2006/main" xmlns:r="http://schemas.openxmlformats.org/officeDocument/2006/relationships" xmlns:p="http://schemas.openxmlformats.org/presentationml/2006/main">
-  <p:cSld>
-    <p:spTree>
-      <p:nvGrpSpPr>
-        <p:cNvPr id="1" name=""/>
-        <p:cNvGrpSpPr/>
-        <p:nvPr/>
-      </p:nvGrpSpPr>
-      <p:grpSpPr>
-        <a:xfrm>
-          <a:off x="0" y="0"/>
-          <a:ext cx="0" cy="0"/>
-          <a:chOff x="0" y="0"/>
-          <a:chExt cx="0" cy="0"/>
-        </a:xfrm>
-      </p:grpSpPr>
-      <p:sp>
-        <p:nvSpPr>
           <p:cNvPr id="2" name="投影片影像版面配置區 1"/>
           <p:cNvSpPr>
             <a:spLocks noGrp="1" noRot="1" noChangeAspect="1"/>
@@ -4723,7 +4417,7 @@
           <a:p>
             <a:fld id="{A7B276DB-846E-4D6B-84FB-438D4AE01D9E}" type="slidenum">
               <a:rPr lang="zh-TW" altLang="en-US" smtClean="0"/>
-              <a:t>33</a:t>
+              <a:t>31</a:t>
             </a:fld>
             <a:endParaRPr lang="zh-TW" altLang="en-US"/>
           </a:p>
@@ -5839,7 +5533,7 @@
           <a:p>
             <a:fld id="{D4FF602D-1F1C-4D6C-87AC-F93D89EC5E85}" type="datetimeFigureOut">
               <a:rPr lang="zh-TW" altLang="en-US" smtClean="0"/>
-              <a:t>2021/9/26</a:t>
+              <a:t>2021/9/27</a:t>
             </a:fld>
             <a:endParaRPr lang="zh-TW" altLang="en-US"/>
           </a:p>
@@ -6009,7 +5703,7 @@
           <a:p>
             <a:fld id="{D4FF602D-1F1C-4D6C-87AC-F93D89EC5E85}" type="datetimeFigureOut">
               <a:rPr lang="zh-TW" altLang="en-US" smtClean="0"/>
-              <a:t>2021/9/26</a:t>
+              <a:t>2021/9/27</a:t>
             </a:fld>
             <a:endParaRPr lang="zh-TW" altLang="en-US"/>
           </a:p>
@@ -6189,7 +5883,7 @@
           <a:p>
             <a:fld id="{D4FF602D-1F1C-4D6C-87AC-F93D89EC5E85}" type="datetimeFigureOut">
               <a:rPr lang="zh-TW" altLang="en-US" smtClean="0"/>
-              <a:t>2021/9/26</a:t>
+              <a:t>2021/9/27</a:t>
             </a:fld>
             <a:endParaRPr lang="zh-TW" altLang="en-US"/>
           </a:p>
@@ -6840,7 +6534,7 @@
           <a:p>
             <a:fld id="{D4FF602D-1F1C-4D6C-87AC-F93D89EC5E85}" type="datetimeFigureOut">
               <a:rPr lang="zh-TW" altLang="en-US" smtClean="0"/>
-              <a:t>2021/9/26</a:t>
+              <a:t>2021/9/27</a:t>
             </a:fld>
             <a:endParaRPr lang="zh-TW" altLang="en-US"/>
           </a:p>
@@ -7108,7 +6802,7 @@
           <a:p>
             <a:fld id="{D4FF602D-1F1C-4D6C-87AC-F93D89EC5E85}" type="datetimeFigureOut">
               <a:rPr lang="zh-TW" altLang="en-US" smtClean="0"/>
-              <a:t>2021/9/26</a:t>
+              <a:t>2021/9/27</a:t>
             </a:fld>
             <a:endParaRPr lang="zh-TW" altLang="en-US"/>
           </a:p>
@@ -7340,7 +7034,7 @@
           <a:p>
             <a:fld id="{D4FF602D-1F1C-4D6C-87AC-F93D89EC5E85}" type="datetimeFigureOut">
               <a:rPr lang="zh-TW" altLang="en-US" smtClean="0"/>
-              <a:t>2021/9/26</a:t>
+              <a:t>2021/9/27</a:t>
             </a:fld>
             <a:endParaRPr lang="zh-TW" altLang="en-US"/>
           </a:p>
@@ -7699,7 +7393,7 @@
           <a:p>
             <a:fld id="{D4FF602D-1F1C-4D6C-87AC-F93D89EC5E85}" type="datetimeFigureOut">
               <a:rPr lang="zh-TW" altLang="en-US" smtClean="0"/>
-              <a:t>2021/9/26</a:t>
+              <a:t>2021/9/27</a:t>
             </a:fld>
             <a:endParaRPr lang="zh-TW" altLang="en-US"/>
           </a:p>
@@ -7840,7 +7534,7 @@
           <a:p>
             <a:fld id="{D4FF602D-1F1C-4D6C-87AC-F93D89EC5E85}" type="datetimeFigureOut">
               <a:rPr lang="zh-TW" altLang="en-US" smtClean="0"/>
-              <a:t>2021/9/26</a:t>
+              <a:t>2021/9/27</a:t>
             </a:fld>
             <a:endParaRPr lang="zh-TW" altLang="en-US"/>
           </a:p>
@@ -7935,7 +7629,7 @@
           <a:p>
             <a:fld id="{D4FF602D-1F1C-4D6C-87AC-F93D89EC5E85}" type="datetimeFigureOut">
               <a:rPr lang="zh-TW" altLang="en-US" smtClean="0"/>
-              <a:t>2021/9/26</a:t>
+              <a:t>2021/9/27</a:t>
             </a:fld>
             <a:endParaRPr lang="zh-TW" altLang="en-US"/>
           </a:p>
@@ -8292,7 +7986,7 @@
           <a:p>
             <a:fld id="{D4FF602D-1F1C-4D6C-87AC-F93D89EC5E85}" type="datetimeFigureOut">
               <a:rPr lang="zh-TW" altLang="en-US" smtClean="0"/>
-              <a:t>2021/9/26</a:t>
+              <a:t>2021/9/27</a:t>
             </a:fld>
             <a:endParaRPr lang="zh-TW" altLang="en-US"/>
           </a:p>
@@ -8649,7 +8343,7 @@
           <a:p>
             <a:fld id="{D4FF602D-1F1C-4D6C-87AC-F93D89EC5E85}" type="datetimeFigureOut">
               <a:rPr lang="zh-TW" altLang="en-US" smtClean="0"/>
-              <a:t>2021/9/26</a:t>
+              <a:t>2021/9/27</a:t>
             </a:fld>
             <a:endParaRPr lang="zh-TW" altLang="en-US"/>
           </a:p>
@@ -8891,7 +8585,7 @@
           <a:p>
             <a:fld id="{D4FF602D-1F1C-4D6C-87AC-F93D89EC5E85}" type="datetimeFigureOut">
               <a:rPr lang="zh-TW" altLang="en-US" smtClean="0"/>
-              <a:t>2021/9/26</a:t>
+              <a:t>2021/9/27</a:t>
             </a:fld>
             <a:endParaRPr lang="zh-TW" altLang="en-US"/>
           </a:p>
@@ -10187,6 +9881,46 @@
           </a:p>
         </p:txBody>
       </p:sp>
+      <p:sp>
+        <p:nvSpPr>
+          <p:cNvPr id="8" name="文字方塊 7">
+            <a:extLst>
+              <a:ext uri="{FF2B5EF4-FFF2-40B4-BE49-F238E27FC236}">
+                <a16:creationId xmlns:a16="http://schemas.microsoft.com/office/drawing/2014/main" id="{DC861169-F003-4F7F-83E7-13AEBC3D6C14}"/>
+              </a:ext>
+            </a:extLst>
+          </p:cNvPr>
+          <p:cNvSpPr txBox="1"/>
+          <p:nvPr/>
+        </p:nvSpPr>
+        <p:spPr>
+          <a:xfrm>
+            <a:off x="3039976" y="3455655"/>
+            <a:ext cx="6112042" cy="400110"/>
+          </a:xfrm>
+          <a:prstGeom prst="rect">
+            <a:avLst/>
+          </a:prstGeom>
+          <a:noFill/>
+        </p:spPr>
+        <p:txBody>
+          <a:bodyPr wrap="square">
+            <a:spAutoFit/>
+          </a:bodyPr>
+          <a:lstStyle/>
+          <a:p>
+            <a:pPr algn="ctr"/>
+            <a:r>
+              <a:rPr lang="zh-TW" altLang="en-US" sz="2000" dirty="0">
+                <a:solidFill>
+                  <a:schemeClr val="bg1"/>
+                </a:solidFill>
+              </a:rPr>
+              <a:t>研究兒童的認知發展與觸控互動模式之間的關係</a:t>
+            </a:r>
+          </a:p>
+        </p:txBody>
+      </p:sp>
     </p:spTree>
     <p:extLst>
       <p:ext uri="{BB962C8B-B14F-4D97-AF65-F5344CB8AC3E}">
@@ -15159,7 +14893,7 @@
         </p:spPr>
         <p:txBody>
           <a:bodyPr>
-            <a:normAutofit fontScale="85000" lnSpcReduction="20000"/>
+            <a:normAutofit/>
           </a:bodyPr>
           <a:lstStyle/>
           <a:p>
@@ -15483,37 +15217,6 @@
               <a:latin typeface="+mn-ea"/>
               <a:cs typeface="Times New Roman" panose="02020603050405020304" pitchFamily="18" charset="0"/>
             </a:endParaRPr>
-          </a:p>
-          <a:p>
-            <a:pPr lvl="0"/>
-            <a:endParaRPr lang="zh-TW" altLang="en-US" sz="2400" b="1" dirty="0">
-              <a:latin typeface="+mn-ea"/>
-              <a:cs typeface="Times New Roman" panose="02020603050405020304" pitchFamily="18" charset="0"/>
-            </a:endParaRPr>
-          </a:p>
-          <a:p>
-            <a:pPr lvl="0"/>
-            <a:r>
-              <a:rPr lang="zh-TW" altLang="en-US" sz="2400" b="1" dirty="0">
-                <a:latin typeface="+mn-ea"/>
-                <a:cs typeface="Times New Roman" panose="02020603050405020304" pitchFamily="18" charset="0"/>
-              </a:rPr>
-              <a:t>所有的相關系數都有一個類似的強度，並被認為是中等的。強度相似，在人類被試研究的背景下被認為是適度的。在人類主體研究中</a:t>
-            </a:r>
-            <a:r>
-              <a:rPr lang="en-US" altLang="zh-TW" sz="2400" b="1" dirty="0">
-                <a:latin typeface="+mn-ea"/>
-                <a:cs typeface="Times New Roman" panose="02020603050405020304" pitchFamily="18" charset="0"/>
-              </a:rPr>
-              <a:t>[6]</a:t>
-            </a:r>
-            <a:r>
-              <a:rPr lang="zh-TW" altLang="en-US" sz="2400" b="1" dirty="0">
-                <a:latin typeface="+mn-ea"/>
-                <a:cs typeface="Times New Roman" panose="02020603050405020304" pitchFamily="18" charset="0"/>
-              </a:rPr>
-              <a:t>。</a:t>
-            </a:r>
           </a:p>
           <a:p>
             <a:pPr lvl="0"/>
@@ -17546,7 +17249,7 @@
                 <a:latin typeface="+mn-ea"/>
                 <a:cs typeface="Times New Roman" panose="02020603050405020304" pitchFamily="18" charset="0"/>
               </a:rPr>
-              <a:t>），盡管兩者都處於中等水平。</a:t>
+              <a:t>）。</a:t>
             </a:r>
           </a:p>
           <a:p>
@@ -17561,7 +17264,7 @@
                 <a:latin typeface="+mn-ea"/>
                 <a:cs typeface="Times New Roman" panose="02020603050405020304" pitchFamily="18" charset="0"/>
               </a:rPr>
-              <a:t>因此，運動技能對兒童手勢識別率的預測作用比對目標失誤率的預測作用略大。</a:t>
+              <a:t>運動技能對兒童手勢識別率的預測作用比對目標失誤率的預測作用略大。</a:t>
             </a:r>
           </a:p>
           <a:p>
@@ -18361,29 +18064,6 @@
           </a:bodyPr>
           <a:lstStyle/>
           <a:p>
-            <a:r>
-              <a:rPr lang="zh-TW" altLang="en-US" sz="2400" b="1" dirty="0">
-                <a:latin typeface="+mn-ea"/>
-                <a:cs typeface="Times New Roman" panose="02020603050405020304" pitchFamily="18" charset="0"/>
-              </a:rPr>
-              <a:t>表</a:t>
-            </a:r>
-            <a:r>
-              <a:rPr lang="en-US" altLang="zh-TW" sz="2400" b="1" dirty="0">
-                <a:latin typeface="+mn-ea"/>
-                <a:cs typeface="Times New Roman" panose="02020603050405020304" pitchFamily="18" charset="0"/>
-              </a:rPr>
-              <a:t>1</a:t>
-            </a:r>
-            <a:r>
-              <a:rPr lang="zh-TW" altLang="en-US" sz="2400" b="1" dirty="0">
-                <a:latin typeface="+mn-ea"/>
-                <a:cs typeface="Times New Roman" panose="02020603050405020304" pitchFamily="18" charset="0"/>
-              </a:rPr>
-              <a:t>總結了這些結果。</a:t>
-            </a:r>
-          </a:p>
-          <a:p>
             <a:endParaRPr lang="zh-TW" altLang="en-US" sz="2400" b="1" dirty="0">
               <a:latin typeface="+mn-ea"/>
               <a:cs typeface="Times New Roman" panose="02020603050405020304" pitchFamily="18" charset="0"/>
@@ -18694,8 +18374,8 @@
         </p:blipFill>
         <p:spPr>
           <a:xfrm>
-            <a:off x="1036935" y="2425900"/>
-            <a:ext cx="9786240" cy="3550357"/>
+            <a:off x="838199" y="1624919"/>
+            <a:ext cx="10444843" cy="3789292"/>
           </a:xfrm>
           <a:prstGeom prst="rect">
             <a:avLst/>
@@ -18734,100 +18414,61 @@
       </p:grpSpPr>
       <p:sp>
         <p:nvSpPr>
-          <p:cNvPr id="10" name="Content Placeholder 9"/>
+          <p:cNvPr id="2" name="標題 1">
+            <a:extLst>
+              <a:ext uri="{FF2B5EF4-FFF2-40B4-BE49-F238E27FC236}">
+                <a16:creationId xmlns:a16="http://schemas.microsoft.com/office/drawing/2014/main" id="{B11B29F6-653E-47DB-A86F-22EBF6B482C8}"/>
+              </a:ext>
+            </a:extLst>
+          </p:cNvPr>
           <p:cNvSpPr>
             <a:spLocks noGrp="1"/>
           </p:cNvSpPr>
           <p:nvPr>
-            <p:ph idx="1"/>
+            <p:ph type="ctrTitle"/>
           </p:nvPr>
         </p:nvSpPr>
         <p:spPr>
           <a:xfrm>
-            <a:off x="838200" y="1624919"/>
-            <a:ext cx="10183586" cy="4351338"/>
+            <a:off x="0" y="2235200"/>
+            <a:ext cx="12192000" cy="2387600"/>
           </a:xfrm>
         </p:spPr>
+        <p:style>
+          <a:lnRef idx="2">
+            <a:schemeClr val="accent1"/>
+          </a:lnRef>
+          <a:fillRef idx="1">
+            <a:schemeClr val="lt1"/>
+          </a:fillRef>
+          <a:effectRef idx="0">
+            <a:schemeClr val="accent1"/>
+          </a:effectRef>
+          <a:fontRef idx="minor">
+            <a:schemeClr val="dk1"/>
+          </a:fontRef>
+        </p:style>
         <p:txBody>
           <a:bodyPr>
             <a:normAutofit/>
           </a:bodyPr>
           <a:lstStyle/>
           <a:p>
-            <a:r>
-              <a:rPr lang="zh-TW" altLang="en-US" sz="2400" b="1" dirty="0">
-                <a:latin typeface="+mn-ea"/>
-                <a:cs typeface="Times New Roman" panose="02020603050405020304" pitchFamily="18" charset="0"/>
-              </a:rPr>
-              <a:t>結果顯示，使用運動技能和執行功能考察觸控式設備的互動，除了像以前的工作那樣簡單地看年齡外，並沒有提供更多的細微差別。</a:t>
-            </a:r>
-          </a:p>
-          <a:p>
-            <a:endParaRPr lang="zh-TW" altLang="en-US" sz="2400" b="1" dirty="0">
-              <a:latin typeface="+mn-ea"/>
-              <a:cs typeface="Times New Roman" panose="02020603050405020304" pitchFamily="18" charset="0"/>
-            </a:endParaRPr>
-          </a:p>
-          <a:p>
-            <a:r>
-              <a:rPr lang="zh-TW" altLang="en-US" sz="2400" b="1" dirty="0">
-                <a:latin typeface="+mn-ea"/>
-                <a:cs typeface="Times New Roman" panose="02020603050405020304" pitchFamily="18" charset="0"/>
-              </a:rPr>
-              <a:t>與高運動技能相比，低運動技能一般會有著糟糕的表現，年齡和年級的關係也是。</a:t>
-            </a:r>
-          </a:p>
-          <a:p>
-            <a:endParaRPr lang="zh-TW" altLang="en-US" sz="2400" b="1" dirty="0">
-              <a:latin typeface="+mn-ea"/>
-              <a:cs typeface="Times New Roman" panose="02020603050405020304" pitchFamily="18" charset="0"/>
-            </a:endParaRPr>
-          </a:p>
-          <a:p>
-            <a:r>
-              <a:rPr lang="zh-TW" altLang="en-US" sz="2400" b="1" dirty="0">
-                <a:latin typeface="+mn-ea"/>
-                <a:cs typeface="Times New Roman" panose="02020603050405020304" pitchFamily="18" charset="0"/>
-              </a:rPr>
-              <a:t>因此，我們的結論是，研究人員在研究兒童的觸控式互動時，使用年齡或年級作為發展水平的評估是合理的。</a:t>
-            </a:r>
-          </a:p>
-        </p:txBody>
-      </p:sp>
-      <p:sp>
-        <p:nvSpPr>
-          <p:cNvPr id="4" name="Slide Number Placeholder 3"/>
-          <p:cNvSpPr>
-            <a:spLocks noGrp="1"/>
-          </p:cNvSpPr>
-          <p:nvPr>
-            <p:ph type="sldNum" sz="quarter" idx="12"/>
-          </p:nvPr>
-        </p:nvSpPr>
-        <p:spPr>
-          <a:xfrm>
-            <a:off x="11021786" y="5682343"/>
-            <a:ext cx="926892" cy="901337"/>
-          </a:xfrm>
-        </p:spPr>
-        <p:txBody>
-          <a:bodyPr/>
-          <a:lstStyle/>
-          <a:p>
-            <a:fld id="{6E18DBF4-37B7-4C4F-9728-A1C100B177EE}" type="slidenum">
-              <a:rPr lang="en-US" sz="3200" smtClean="0"/>
-              <a:t>29</a:t>
-            </a:fld>
-            <a:endParaRPr lang="en-US" sz="3200" dirty="0"/>
-          </a:p>
-        </p:txBody>
-      </p:sp>
-      <p:sp>
-        <p:nvSpPr>
-          <p:cNvPr id="9" name="Content Placeholder 9">
+            <a:pPr fontAlgn="b"/>
+            <a:r>
+              <a:rPr lang="en-US" altLang="zh-TW" sz="3200" b="1" dirty="0"/>
+              <a:t>LIMITATIONS AND CONCLUSION</a:t>
+            </a:r>
+            <a:endParaRPr lang="zh-TW" altLang="zh-TW" sz="3200" b="1" dirty="0"/>
+          </a:p>
+        </p:txBody>
+      </p:sp>
+      <p:sp>
+        <p:nvSpPr>
+          <p:cNvPr id="4" name="副標題 2">
             <a:extLst>
               <a:ext uri="{FF2B5EF4-FFF2-40B4-BE49-F238E27FC236}">
-                <a16:creationId xmlns:a16="http://schemas.microsoft.com/office/drawing/2014/main" id="{D8E9FD37-A172-4CCA-8964-26F7EB35B45B}"/>
+                <a16:creationId xmlns:a16="http://schemas.microsoft.com/office/drawing/2014/main" id="{23771AFA-92C8-4A4B-8E40-F9C78818969F}"/>
               </a:ext>
             </a:extLst>
           </p:cNvPr>
@@ -18838,8 +18479,8 @@
         </p:nvSpPr>
         <p:spPr>
           <a:xfrm>
-            <a:off x="838200" y="301752"/>
-            <a:ext cx="10515600" cy="670040"/>
+            <a:off x="1523999" y="4367781"/>
+            <a:ext cx="9144000" cy="811315"/>
           </a:xfrm>
           <a:prstGeom prst="rect">
             <a:avLst/>
@@ -18850,138 +18491,141 @@
             <a:normAutofit/>
           </a:bodyPr>
           <a:lstStyle>
-            <a:lvl1pPr marL="228600" indent="-228600" algn="l" defTabSz="914400" rtl="0" eaLnBrk="1" latinLnBrk="0" hangingPunct="1">
-              <a:lnSpc>
-                <a:spcPct val="100000"/>
-              </a:lnSpc>
-              <a:spcBef>
-                <a:spcPts val="1000"/>
-              </a:spcBef>
-              <a:buClr>
-                <a:schemeClr val="accent2"/>
-              </a:buClr>
-              <a:buFont typeface="Arial" panose="020B0604020202020204" pitchFamily="34" charset="0"/>
-              <a:buChar char="•"/>
+            <a:lvl1pPr marL="0" indent="0" algn="ctr" defTabSz="914400" rtl="0" eaLnBrk="1" latinLnBrk="0" hangingPunct="1">
+              <a:lnSpc>
+                <a:spcPct val="90000"/>
+              </a:lnSpc>
+              <a:spcBef>
+                <a:spcPts val="1000"/>
+              </a:spcBef>
+              <a:buFont typeface="Arial" panose="020B0604020202020204" pitchFamily="34" charset="0"/>
+              <a:buNone/>
+              <a:defRPr sz="2400" kern="1200">
+                <a:solidFill>
+                  <a:schemeClr val="tx1"/>
+                </a:solidFill>
+                <a:latin typeface="+mn-lt"/>
+                <a:ea typeface="+mn-ea"/>
+                <a:cs typeface="+mn-cs"/>
+              </a:defRPr>
+            </a:lvl1pPr>
+            <a:lvl2pPr marL="457200" indent="0" algn="ctr" defTabSz="914400" rtl="0" eaLnBrk="1" latinLnBrk="0" hangingPunct="1">
+              <a:lnSpc>
+                <a:spcPct val="90000"/>
+              </a:lnSpc>
+              <a:spcBef>
+                <a:spcPts val="500"/>
+              </a:spcBef>
+              <a:buFont typeface="Arial" panose="020B0604020202020204" pitchFamily="34" charset="0"/>
+              <a:buNone/>
+              <a:defRPr sz="2000" kern="1200">
+                <a:solidFill>
+                  <a:schemeClr val="tx1"/>
+                </a:solidFill>
+                <a:latin typeface="+mn-lt"/>
+                <a:ea typeface="+mn-ea"/>
+                <a:cs typeface="+mn-cs"/>
+              </a:defRPr>
+            </a:lvl2pPr>
+            <a:lvl3pPr marL="914400" indent="0" algn="ctr" defTabSz="914400" rtl="0" eaLnBrk="1" latinLnBrk="0" hangingPunct="1">
+              <a:lnSpc>
+                <a:spcPct val="90000"/>
+              </a:lnSpc>
+              <a:spcBef>
+                <a:spcPts val="500"/>
+              </a:spcBef>
+              <a:buFont typeface="Arial" panose="020B0604020202020204" pitchFamily="34" charset="0"/>
+              <a:buNone/>
               <a:defRPr sz="1800" kern="1200">
                 <a:solidFill>
-                  <a:schemeClr val="tx1">
-                    <a:lumMod val="85000"/>
-                    <a:lumOff val="15000"/>
-                  </a:schemeClr>
-                </a:solidFill>
-                <a:latin typeface="+mn-lt"/>
-                <a:ea typeface="+mn-ea"/>
-                <a:cs typeface="+mn-cs"/>
-              </a:defRPr>
-            </a:lvl1pPr>
-            <a:lvl2pPr marL="457200" indent="-228600" algn="l" defTabSz="914400" rtl="0" eaLnBrk="1" latinLnBrk="0" hangingPunct="1">
-              <a:lnSpc>
-                <a:spcPct val="100000"/>
-              </a:lnSpc>
-              <a:spcBef>
-                <a:spcPts val="1000"/>
-              </a:spcBef>
-              <a:buClr>
-                <a:schemeClr val="accent2"/>
-              </a:buClr>
-              <a:buFont typeface="Arial" panose="020B0604020202020204" pitchFamily="34" charset="0"/>
-              <a:buChar char="•"/>
+                  <a:schemeClr val="tx1"/>
+                </a:solidFill>
+                <a:latin typeface="+mn-lt"/>
+                <a:ea typeface="+mn-ea"/>
+                <a:cs typeface="+mn-cs"/>
+              </a:defRPr>
+            </a:lvl3pPr>
+            <a:lvl4pPr marL="1371600" indent="0" algn="ctr" defTabSz="914400" rtl="0" eaLnBrk="1" latinLnBrk="0" hangingPunct="1">
+              <a:lnSpc>
+                <a:spcPct val="90000"/>
+              </a:lnSpc>
+              <a:spcBef>
+                <a:spcPts val="500"/>
+              </a:spcBef>
+              <a:buFont typeface="Arial" panose="020B0604020202020204" pitchFamily="34" charset="0"/>
+              <a:buNone/>
               <a:defRPr sz="1600" kern="1200">
                 <a:solidFill>
-                  <a:schemeClr val="tx1">
-                    <a:lumMod val="85000"/>
-                    <a:lumOff val="15000"/>
-                  </a:schemeClr>
-                </a:solidFill>
-                <a:latin typeface="+mn-lt"/>
-                <a:ea typeface="+mn-ea"/>
-                <a:cs typeface="+mn-cs"/>
-              </a:defRPr>
-            </a:lvl2pPr>
-            <a:lvl3pPr marL="685800" indent="-228600" algn="l" defTabSz="914400" rtl="0" eaLnBrk="1" latinLnBrk="0" hangingPunct="1">
-              <a:lnSpc>
-                <a:spcPct val="100000"/>
-              </a:lnSpc>
-              <a:spcBef>
-                <a:spcPts val="1000"/>
-              </a:spcBef>
-              <a:buClr>
-                <a:schemeClr val="accent2"/>
-              </a:buClr>
-              <a:buFont typeface="Arial" panose="020B0604020202020204" pitchFamily="34" charset="0"/>
-              <a:buChar char="•"/>
+                  <a:schemeClr val="tx1"/>
+                </a:solidFill>
+                <a:latin typeface="+mn-lt"/>
+                <a:ea typeface="+mn-ea"/>
+                <a:cs typeface="+mn-cs"/>
+              </a:defRPr>
+            </a:lvl4pPr>
+            <a:lvl5pPr marL="1828800" indent="0" algn="ctr" defTabSz="914400" rtl="0" eaLnBrk="1" latinLnBrk="0" hangingPunct="1">
+              <a:lnSpc>
+                <a:spcPct val="90000"/>
+              </a:lnSpc>
+              <a:spcBef>
+                <a:spcPts val="500"/>
+              </a:spcBef>
+              <a:buFont typeface="Arial" panose="020B0604020202020204" pitchFamily="34" charset="0"/>
+              <a:buNone/>
               <a:defRPr sz="1600" kern="1200">
                 <a:solidFill>
-                  <a:schemeClr val="tx1">
-                    <a:lumMod val="85000"/>
-                    <a:lumOff val="15000"/>
-                  </a:schemeClr>
-                </a:solidFill>
-                <a:latin typeface="+mn-lt"/>
-                <a:ea typeface="+mn-ea"/>
-                <a:cs typeface="+mn-cs"/>
-              </a:defRPr>
-            </a:lvl3pPr>
-            <a:lvl4pPr marL="914400" indent="-228600" algn="l" defTabSz="914400" rtl="0" eaLnBrk="1" latinLnBrk="0" hangingPunct="1">
-              <a:lnSpc>
-                <a:spcPct val="100000"/>
-              </a:lnSpc>
-              <a:spcBef>
-                <a:spcPts val="1000"/>
-              </a:spcBef>
-              <a:buClr>
-                <a:schemeClr val="accent2"/>
-              </a:buClr>
-              <a:buFont typeface="Arial" panose="020B0604020202020204" pitchFamily="34" charset="0"/>
-              <a:buChar char="•"/>
+                  <a:schemeClr val="tx1"/>
+                </a:solidFill>
+                <a:latin typeface="+mn-lt"/>
+                <a:ea typeface="+mn-ea"/>
+                <a:cs typeface="+mn-cs"/>
+              </a:defRPr>
+            </a:lvl5pPr>
+            <a:lvl6pPr marL="2286000" indent="0" algn="ctr" defTabSz="914400" rtl="0" eaLnBrk="1" latinLnBrk="0" hangingPunct="1">
+              <a:lnSpc>
+                <a:spcPct val="90000"/>
+              </a:lnSpc>
+              <a:spcBef>
+                <a:spcPts val="500"/>
+              </a:spcBef>
+              <a:buFont typeface="Arial" panose="020B0604020202020204" pitchFamily="34" charset="0"/>
+              <a:buNone/>
               <a:defRPr sz="1600" kern="1200">
                 <a:solidFill>
-                  <a:schemeClr val="tx1">
-                    <a:lumMod val="85000"/>
-                    <a:lumOff val="15000"/>
-                  </a:schemeClr>
-                </a:solidFill>
-                <a:latin typeface="+mn-lt"/>
-                <a:ea typeface="+mn-ea"/>
-                <a:cs typeface="+mn-cs"/>
-              </a:defRPr>
-            </a:lvl4pPr>
-            <a:lvl5pPr marL="1143000" indent="-228600" algn="l" defTabSz="914400" rtl="0" eaLnBrk="1" latinLnBrk="0" hangingPunct="1">
-              <a:lnSpc>
-                <a:spcPct val="100000"/>
-              </a:lnSpc>
-              <a:spcBef>
-                <a:spcPts val="1000"/>
-              </a:spcBef>
-              <a:buClr>
-                <a:schemeClr val="accent2"/>
-              </a:buClr>
-              <a:buFont typeface="Arial" panose="020B0604020202020204" pitchFamily="34" charset="0"/>
-              <a:buChar char="•"/>
+                  <a:schemeClr val="tx1"/>
+                </a:solidFill>
+                <a:latin typeface="+mn-lt"/>
+                <a:ea typeface="+mn-ea"/>
+                <a:cs typeface="+mn-cs"/>
+              </a:defRPr>
+            </a:lvl6pPr>
+            <a:lvl7pPr marL="2743200" indent="0" algn="ctr" defTabSz="914400" rtl="0" eaLnBrk="1" latinLnBrk="0" hangingPunct="1">
+              <a:lnSpc>
+                <a:spcPct val="90000"/>
+              </a:lnSpc>
+              <a:spcBef>
+                <a:spcPts val="500"/>
+              </a:spcBef>
+              <a:buFont typeface="Arial" panose="020B0604020202020204" pitchFamily="34" charset="0"/>
+              <a:buNone/>
               <a:defRPr sz="1600" kern="1200">
                 <a:solidFill>
-                  <a:schemeClr val="tx1">
-                    <a:lumMod val="85000"/>
-                    <a:lumOff val="15000"/>
-                  </a:schemeClr>
-                </a:solidFill>
-                <a:latin typeface="+mn-lt"/>
-                <a:ea typeface="+mn-ea"/>
-                <a:cs typeface="+mn-cs"/>
-              </a:defRPr>
-            </a:lvl5pPr>
-            <a:lvl6pPr marL="1312863" indent="-228600" algn="l" defTabSz="914400" rtl="0" eaLnBrk="1" latinLnBrk="0" hangingPunct="1">
-              <a:lnSpc>
-                <a:spcPct val="100000"/>
-              </a:lnSpc>
-              <a:spcBef>
-                <a:spcPts val="1000"/>
-              </a:spcBef>
-              <a:buClr>
-                <a:schemeClr val="accent2"/>
-              </a:buClr>
-              <a:buFont typeface="Arial" panose="020B0604020202020204" pitchFamily="34" charset="0"/>
-              <a:buChar char="•"/>
+                  <a:schemeClr val="tx1"/>
+                </a:solidFill>
+                <a:latin typeface="+mn-lt"/>
+                <a:ea typeface="+mn-ea"/>
+                <a:cs typeface="+mn-cs"/>
+              </a:defRPr>
+            </a:lvl7pPr>
+            <a:lvl8pPr marL="3200400" indent="0" algn="ctr" defTabSz="914400" rtl="0" eaLnBrk="1" latinLnBrk="0" hangingPunct="1">
+              <a:lnSpc>
+                <a:spcPct val="90000"/>
+              </a:lnSpc>
+              <a:spcBef>
+                <a:spcPts val="500"/>
+              </a:spcBef>
+              <a:buFont typeface="Arial" panose="020B0604020202020204" pitchFamily="34" charset="0"/>
+              <a:buNone/>
               <a:defRPr sz="1600" kern="1200">
                 <a:solidFill>
                   <a:schemeClr val="tx1"/>
@@ -18990,62 +18634,17 @@
                 <a:ea typeface="+mn-ea"/>
                 <a:cs typeface="+mn-cs"/>
               </a:defRPr>
-            </a:lvl6pPr>
-            <a:lvl7pPr marL="1484313" indent="-228600" algn="l" defTabSz="914400" rtl="0" eaLnBrk="1" latinLnBrk="0" hangingPunct="1">
-              <a:lnSpc>
-                <a:spcPct val="100000"/>
-              </a:lnSpc>
-              <a:spcBef>
-                <a:spcPts val="1000"/>
-              </a:spcBef>
-              <a:buClr>
-                <a:schemeClr val="accent2"/>
-              </a:buClr>
-              <a:buFont typeface="Arial" panose="020B0604020202020204" pitchFamily="34" charset="0"/>
-              <a:buChar char="•"/>
+            </a:lvl8pPr>
+            <a:lvl9pPr marL="3657600" indent="0" algn="ctr" defTabSz="914400" rtl="0" eaLnBrk="1" latinLnBrk="0" hangingPunct="1">
+              <a:lnSpc>
+                <a:spcPct val="90000"/>
+              </a:lnSpc>
+              <a:spcBef>
+                <a:spcPts val="500"/>
+              </a:spcBef>
+              <a:buFont typeface="Arial" panose="020B0604020202020204" pitchFamily="34" charset="0"/>
+              <a:buNone/>
               <a:defRPr sz="1600" kern="1200">
-                <a:solidFill>
-                  <a:schemeClr val="tx1"/>
-                </a:solidFill>
-                <a:latin typeface="+mn-lt"/>
-                <a:ea typeface="+mn-ea"/>
-                <a:cs typeface="+mn-cs"/>
-              </a:defRPr>
-            </a:lvl7pPr>
-            <a:lvl8pPr marL="1657350" indent="-228600" algn="l" defTabSz="914400" rtl="0" eaLnBrk="1" latinLnBrk="0" hangingPunct="1">
-              <a:lnSpc>
-                <a:spcPct val="100000"/>
-              </a:lnSpc>
-              <a:spcBef>
-                <a:spcPts val="1000"/>
-              </a:spcBef>
-              <a:buClr>
-                <a:schemeClr val="accent2"/>
-              </a:buClr>
-              <a:buFont typeface="Arial" panose="020B0604020202020204" pitchFamily="34" charset="0"/>
-              <a:buChar char="•"/>
-              <a:defRPr sz="1600" kern="1200" baseline="0">
-                <a:solidFill>
-                  <a:schemeClr val="tx1"/>
-                </a:solidFill>
-                <a:latin typeface="+mn-lt"/>
-                <a:ea typeface="+mn-ea"/>
-                <a:cs typeface="+mn-cs"/>
-              </a:defRPr>
-            </a:lvl8pPr>
-            <a:lvl9pPr marL="1882775" indent="-228600" algn="l" defTabSz="914400" rtl="0" eaLnBrk="1" latinLnBrk="0" hangingPunct="1">
-              <a:lnSpc>
-                <a:spcPct val="100000"/>
-              </a:lnSpc>
-              <a:spcBef>
-                <a:spcPts val="1000"/>
-              </a:spcBef>
-              <a:buClr>
-                <a:schemeClr val="accent2"/>
-              </a:buClr>
-              <a:buFont typeface="Arial" panose="020B0604020202020204" pitchFamily="34" charset="0"/>
-              <a:buChar char="•"/>
-              <a:defRPr sz="1600" kern="1200" baseline="0">
                 <a:solidFill>
                   <a:schemeClr val="tx1"/>
                 </a:solidFill>
@@ -19056,21 +18655,8 @@
             </a:lvl9pPr>
           </a:lstStyle>
           <a:p>
-            <a:pPr marL="0" indent="0">
-              <a:buNone/>
-            </a:pPr>
-            <a:r>
-              <a:rPr lang="en-US" altLang="zh-TW" sz="3500" b="1" dirty="0">
-                <a:solidFill>
-                  <a:schemeClr val="bg1"/>
-                </a:solidFill>
-              </a:rPr>
-              <a:t>Discussion</a:t>
-            </a:r>
-            <a:endParaRPr lang="en-US" sz="3500" b="1" dirty="0">
-              <a:solidFill>
-                <a:schemeClr val="bg1"/>
-              </a:solidFill>
+            <a:endParaRPr lang="en-US" altLang="zh-TW" sz="2000" b="1" dirty="0">
+              <a:latin typeface="+mn-ea"/>
             </a:endParaRPr>
           </a:p>
         </p:txBody>
@@ -19078,7 +18664,7 @@
     </p:spTree>
     <p:extLst>
       <p:ext uri="{BB962C8B-B14F-4D97-AF65-F5344CB8AC3E}">
-        <p14:creationId xmlns:p14="http://schemas.microsoft.com/office/powerpoint/2010/main" val="278379861"/>
+        <p14:creationId xmlns:p14="http://schemas.microsoft.com/office/powerpoint/2010/main" val="3758516045"/>
       </p:ext>
     </p:extLst>
   </p:cSld>
@@ -19557,285 +19143,6 @@
       </p:grpSpPr>
       <p:sp>
         <p:nvSpPr>
-          <p:cNvPr id="2" name="標題 1">
-            <a:extLst>
-              <a:ext uri="{FF2B5EF4-FFF2-40B4-BE49-F238E27FC236}">
-                <a16:creationId xmlns:a16="http://schemas.microsoft.com/office/drawing/2014/main" id="{B11B29F6-653E-47DB-A86F-22EBF6B482C8}"/>
-              </a:ext>
-            </a:extLst>
-          </p:cNvPr>
-          <p:cNvSpPr>
-            <a:spLocks noGrp="1"/>
-          </p:cNvSpPr>
-          <p:nvPr>
-            <p:ph type="ctrTitle"/>
-          </p:nvPr>
-        </p:nvSpPr>
-        <p:spPr>
-          <a:xfrm>
-            <a:off x="0" y="2235200"/>
-            <a:ext cx="12192000" cy="2387600"/>
-          </a:xfrm>
-        </p:spPr>
-        <p:style>
-          <a:lnRef idx="2">
-            <a:schemeClr val="accent1"/>
-          </a:lnRef>
-          <a:fillRef idx="1">
-            <a:schemeClr val="lt1"/>
-          </a:fillRef>
-          <a:effectRef idx="0">
-            <a:schemeClr val="accent1"/>
-          </a:effectRef>
-          <a:fontRef idx="minor">
-            <a:schemeClr val="dk1"/>
-          </a:fontRef>
-        </p:style>
-        <p:txBody>
-          <a:bodyPr>
-            <a:normAutofit/>
-          </a:bodyPr>
-          <a:lstStyle/>
-          <a:p>
-            <a:pPr fontAlgn="b"/>
-            <a:r>
-              <a:rPr lang="en-US" altLang="zh-TW" sz="3200" b="1" dirty="0"/>
-              <a:t>LIMITATIONS AND CONCLUSION</a:t>
-            </a:r>
-            <a:endParaRPr lang="zh-TW" altLang="zh-TW" sz="3200" b="1" dirty="0"/>
-          </a:p>
-        </p:txBody>
-      </p:sp>
-      <p:sp>
-        <p:nvSpPr>
-          <p:cNvPr id="4" name="副標題 2">
-            <a:extLst>
-              <a:ext uri="{FF2B5EF4-FFF2-40B4-BE49-F238E27FC236}">
-                <a16:creationId xmlns:a16="http://schemas.microsoft.com/office/drawing/2014/main" id="{23771AFA-92C8-4A4B-8E40-F9C78818969F}"/>
-              </a:ext>
-            </a:extLst>
-          </p:cNvPr>
-          <p:cNvSpPr txBox="1">
-            <a:spLocks/>
-          </p:cNvSpPr>
-          <p:nvPr/>
-        </p:nvSpPr>
-        <p:spPr>
-          <a:xfrm>
-            <a:off x="1523999" y="4367781"/>
-            <a:ext cx="9144000" cy="811315"/>
-          </a:xfrm>
-          <a:prstGeom prst="rect">
-            <a:avLst/>
-          </a:prstGeom>
-        </p:spPr>
-        <p:txBody>
-          <a:bodyPr vert="horz" lIns="91440" tIns="45720" rIns="91440" bIns="45720" rtlCol="0">
-            <a:normAutofit/>
-          </a:bodyPr>
-          <a:lstStyle>
-            <a:lvl1pPr marL="0" indent="0" algn="ctr" defTabSz="914400" rtl="0" eaLnBrk="1" latinLnBrk="0" hangingPunct="1">
-              <a:lnSpc>
-                <a:spcPct val="90000"/>
-              </a:lnSpc>
-              <a:spcBef>
-                <a:spcPts val="1000"/>
-              </a:spcBef>
-              <a:buFont typeface="Arial" panose="020B0604020202020204" pitchFamily="34" charset="0"/>
-              <a:buNone/>
-              <a:defRPr sz="2400" kern="1200">
-                <a:solidFill>
-                  <a:schemeClr val="tx1"/>
-                </a:solidFill>
-                <a:latin typeface="+mn-lt"/>
-                <a:ea typeface="+mn-ea"/>
-                <a:cs typeface="+mn-cs"/>
-              </a:defRPr>
-            </a:lvl1pPr>
-            <a:lvl2pPr marL="457200" indent="0" algn="ctr" defTabSz="914400" rtl="0" eaLnBrk="1" latinLnBrk="0" hangingPunct="1">
-              <a:lnSpc>
-                <a:spcPct val="90000"/>
-              </a:lnSpc>
-              <a:spcBef>
-                <a:spcPts val="500"/>
-              </a:spcBef>
-              <a:buFont typeface="Arial" panose="020B0604020202020204" pitchFamily="34" charset="0"/>
-              <a:buNone/>
-              <a:defRPr sz="2000" kern="1200">
-                <a:solidFill>
-                  <a:schemeClr val="tx1"/>
-                </a:solidFill>
-                <a:latin typeface="+mn-lt"/>
-                <a:ea typeface="+mn-ea"/>
-                <a:cs typeface="+mn-cs"/>
-              </a:defRPr>
-            </a:lvl2pPr>
-            <a:lvl3pPr marL="914400" indent="0" algn="ctr" defTabSz="914400" rtl="0" eaLnBrk="1" latinLnBrk="0" hangingPunct="1">
-              <a:lnSpc>
-                <a:spcPct val="90000"/>
-              </a:lnSpc>
-              <a:spcBef>
-                <a:spcPts val="500"/>
-              </a:spcBef>
-              <a:buFont typeface="Arial" panose="020B0604020202020204" pitchFamily="34" charset="0"/>
-              <a:buNone/>
-              <a:defRPr sz="1800" kern="1200">
-                <a:solidFill>
-                  <a:schemeClr val="tx1"/>
-                </a:solidFill>
-                <a:latin typeface="+mn-lt"/>
-                <a:ea typeface="+mn-ea"/>
-                <a:cs typeface="+mn-cs"/>
-              </a:defRPr>
-            </a:lvl3pPr>
-            <a:lvl4pPr marL="1371600" indent="0" algn="ctr" defTabSz="914400" rtl="0" eaLnBrk="1" latinLnBrk="0" hangingPunct="1">
-              <a:lnSpc>
-                <a:spcPct val="90000"/>
-              </a:lnSpc>
-              <a:spcBef>
-                <a:spcPts val="500"/>
-              </a:spcBef>
-              <a:buFont typeface="Arial" panose="020B0604020202020204" pitchFamily="34" charset="0"/>
-              <a:buNone/>
-              <a:defRPr sz="1600" kern="1200">
-                <a:solidFill>
-                  <a:schemeClr val="tx1"/>
-                </a:solidFill>
-                <a:latin typeface="+mn-lt"/>
-                <a:ea typeface="+mn-ea"/>
-                <a:cs typeface="+mn-cs"/>
-              </a:defRPr>
-            </a:lvl4pPr>
-            <a:lvl5pPr marL="1828800" indent="0" algn="ctr" defTabSz="914400" rtl="0" eaLnBrk="1" latinLnBrk="0" hangingPunct="1">
-              <a:lnSpc>
-                <a:spcPct val="90000"/>
-              </a:lnSpc>
-              <a:spcBef>
-                <a:spcPts val="500"/>
-              </a:spcBef>
-              <a:buFont typeface="Arial" panose="020B0604020202020204" pitchFamily="34" charset="0"/>
-              <a:buNone/>
-              <a:defRPr sz="1600" kern="1200">
-                <a:solidFill>
-                  <a:schemeClr val="tx1"/>
-                </a:solidFill>
-                <a:latin typeface="+mn-lt"/>
-                <a:ea typeface="+mn-ea"/>
-                <a:cs typeface="+mn-cs"/>
-              </a:defRPr>
-            </a:lvl5pPr>
-            <a:lvl6pPr marL="2286000" indent="0" algn="ctr" defTabSz="914400" rtl="0" eaLnBrk="1" latinLnBrk="0" hangingPunct="1">
-              <a:lnSpc>
-                <a:spcPct val="90000"/>
-              </a:lnSpc>
-              <a:spcBef>
-                <a:spcPts val="500"/>
-              </a:spcBef>
-              <a:buFont typeface="Arial" panose="020B0604020202020204" pitchFamily="34" charset="0"/>
-              <a:buNone/>
-              <a:defRPr sz="1600" kern="1200">
-                <a:solidFill>
-                  <a:schemeClr val="tx1"/>
-                </a:solidFill>
-                <a:latin typeface="+mn-lt"/>
-                <a:ea typeface="+mn-ea"/>
-                <a:cs typeface="+mn-cs"/>
-              </a:defRPr>
-            </a:lvl6pPr>
-            <a:lvl7pPr marL="2743200" indent="0" algn="ctr" defTabSz="914400" rtl="0" eaLnBrk="1" latinLnBrk="0" hangingPunct="1">
-              <a:lnSpc>
-                <a:spcPct val="90000"/>
-              </a:lnSpc>
-              <a:spcBef>
-                <a:spcPts val="500"/>
-              </a:spcBef>
-              <a:buFont typeface="Arial" panose="020B0604020202020204" pitchFamily="34" charset="0"/>
-              <a:buNone/>
-              <a:defRPr sz="1600" kern="1200">
-                <a:solidFill>
-                  <a:schemeClr val="tx1"/>
-                </a:solidFill>
-                <a:latin typeface="+mn-lt"/>
-                <a:ea typeface="+mn-ea"/>
-                <a:cs typeface="+mn-cs"/>
-              </a:defRPr>
-            </a:lvl7pPr>
-            <a:lvl8pPr marL="3200400" indent="0" algn="ctr" defTabSz="914400" rtl="0" eaLnBrk="1" latinLnBrk="0" hangingPunct="1">
-              <a:lnSpc>
-                <a:spcPct val="90000"/>
-              </a:lnSpc>
-              <a:spcBef>
-                <a:spcPts val="500"/>
-              </a:spcBef>
-              <a:buFont typeface="Arial" panose="020B0604020202020204" pitchFamily="34" charset="0"/>
-              <a:buNone/>
-              <a:defRPr sz="1600" kern="1200">
-                <a:solidFill>
-                  <a:schemeClr val="tx1"/>
-                </a:solidFill>
-                <a:latin typeface="+mn-lt"/>
-                <a:ea typeface="+mn-ea"/>
-                <a:cs typeface="+mn-cs"/>
-              </a:defRPr>
-            </a:lvl8pPr>
-            <a:lvl9pPr marL="3657600" indent="0" algn="ctr" defTabSz="914400" rtl="0" eaLnBrk="1" latinLnBrk="0" hangingPunct="1">
-              <a:lnSpc>
-                <a:spcPct val="90000"/>
-              </a:lnSpc>
-              <a:spcBef>
-                <a:spcPts val="500"/>
-              </a:spcBef>
-              <a:buFont typeface="Arial" panose="020B0604020202020204" pitchFamily="34" charset="0"/>
-              <a:buNone/>
-              <a:defRPr sz="1600" kern="1200">
-                <a:solidFill>
-                  <a:schemeClr val="tx1"/>
-                </a:solidFill>
-                <a:latin typeface="+mn-lt"/>
-                <a:ea typeface="+mn-ea"/>
-                <a:cs typeface="+mn-cs"/>
-              </a:defRPr>
-            </a:lvl9pPr>
-          </a:lstStyle>
-          <a:p>
-            <a:endParaRPr lang="en-US" altLang="zh-TW" sz="2000" b="1" dirty="0">
-              <a:latin typeface="+mn-ea"/>
-            </a:endParaRPr>
-          </a:p>
-        </p:txBody>
-      </p:sp>
-    </p:spTree>
-    <p:extLst>
-      <p:ext uri="{BB962C8B-B14F-4D97-AF65-F5344CB8AC3E}">
-        <p14:creationId xmlns:p14="http://schemas.microsoft.com/office/powerpoint/2010/main" val="3758516045"/>
-      </p:ext>
-    </p:extLst>
-  </p:cSld>
-  <p:clrMapOvr>
-    <a:masterClrMapping/>
-  </p:clrMapOvr>
-</p:sld>
-</file>
-
-<file path=ppt/slides/slide31.xml><?xml version="1.0" encoding="utf-8"?>
-<p:sld xmlns:a="http://schemas.openxmlformats.org/drawingml/2006/main" xmlns:r="http://schemas.openxmlformats.org/officeDocument/2006/relationships" xmlns:p="http://schemas.openxmlformats.org/presentationml/2006/main">
-  <p:cSld>
-    <p:spTree>
-      <p:nvGrpSpPr>
-        <p:cNvPr id="1" name=""/>
-        <p:cNvGrpSpPr/>
-        <p:nvPr/>
-      </p:nvGrpSpPr>
-      <p:grpSpPr>
-        <a:xfrm>
-          <a:off x="0" y="0"/>
-          <a:ext cx="0" cy="0"/>
-          <a:chOff x="0" y="0"/>
-          <a:chExt cx="0" cy="0"/>
-        </a:xfrm>
-      </p:grpSpPr>
-      <p:sp>
-        <p:nvSpPr>
           <p:cNvPr id="10" name="Content Placeholder 9"/>
           <p:cNvSpPr>
             <a:spLocks noGrp="1"/>
@@ -19926,7 +19233,7 @@
           <a:p>
             <a:fld id="{6E18DBF4-37B7-4C4F-9728-A1C100B177EE}" type="slidenum">
               <a:rPr lang="en-US" sz="3200" smtClean="0"/>
-              <a:t>31</a:t>
+              <a:t>30</a:t>
             </a:fld>
             <a:endParaRPr lang="en-US" sz="3200" dirty="0"/>
           </a:p>
@@ -20198,446 +19505,7 @@
 </p:sld>
 </file>
 
-<file path=ppt/slides/slide32.xml><?xml version="1.0" encoding="utf-8"?>
-<p:sld xmlns:a="http://schemas.openxmlformats.org/drawingml/2006/main" xmlns:r="http://schemas.openxmlformats.org/officeDocument/2006/relationships" xmlns:p="http://schemas.openxmlformats.org/presentationml/2006/main">
-  <p:cSld>
-    <p:spTree>
-      <p:nvGrpSpPr>
-        <p:cNvPr id="1" name=""/>
-        <p:cNvGrpSpPr/>
-        <p:nvPr/>
-      </p:nvGrpSpPr>
-      <p:grpSpPr>
-        <a:xfrm>
-          <a:off x="0" y="0"/>
-          <a:ext cx="0" cy="0"/>
-          <a:chOff x="0" y="0"/>
-          <a:chExt cx="0" cy="0"/>
-        </a:xfrm>
-      </p:grpSpPr>
-      <p:sp>
-        <p:nvSpPr>
-          <p:cNvPr id="10" name="Content Placeholder 9"/>
-          <p:cNvSpPr>
-            <a:spLocks noGrp="1"/>
-          </p:cNvSpPr>
-          <p:nvPr>
-            <p:ph idx="1"/>
-          </p:nvPr>
-        </p:nvSpPr>
-        <p:spPr>
-          <a:xfrm>
-            <a:off x="838200" y="1624919"/>
-            <a:ext cx="10515600" cy="4351338"/>
-          </a:xfrm>
-        </p:spPr>
-        <p:txBody>
-          <a:bodyPr>
-            <a:normAutofit lnSpcReduction="10000"/>
-          </a:bodyPr>
-          <a:lstStyle/>
-          <a:p>
-            <a:r>
-              <a:rPr lang="zh-TW" altLang="en-US" sz="2400" b="1" dirty="0">
-                <a:latin typeface="+mn-ea"/>
-                <a:cs typeface="Times New Roman" panose="02020603050405020304" pitchFamily="18" charset="0"/>
-              </a:rPr>
-              <a:t>我們提出了一項對</a:t>
-            </a:r>
-            <a:r>
-              <a:rPr lang="en-US" altLang="zh-TW" sz="2400" b="1" dirty="0">
-                <a:latin typeface="+mn-ea"/>
-                <a:cs typeface="Times New Roman" panose="02020603050405020304" pitchFamily="18" charset="0"/>
-              </a:rPr>
-              <a:t>28</a:t>
-            </a:r>
-            <a:r>
-              <a:rPr lang="zh-TW" altLang="en-US" sz="2400" b="1" dirty="0">
-                <a:latin typeface="+mn-ea"/>
-                <a:cs typeface="Times New Roman" panose="02020603050405020304" pitchFamily="18" charset="0"/>
-              </a:rPr>
-              <a:t>名</a:t>
-            </a:r>
-            <a:r>
-              <a:rPr lang="en-US" altLang="zh-TW" sz="2400" b="1" dirty="0">
-                <a:latin typeface="+mn-ea"/>
-                <a:cs typeface="Times New Roman" panose="02020603050405020304" pitchFamily="18" charset="0"/>
-              </a:rPr>
-              <a:t>4</a:t>
-            </a:r>
-            <a:r>
-              <a:rPr lang="zh-TW" altLang="en-US" sz="2400" b="1" dirty="0">
-                <a:latin typeface="+mn-ea"/>
-                <a:cs typeface="Times New Roman" panose="02020603050405020304" pitchFamily="18" charset="0"/>
-              </a:rPr>
-              <a:t>至</a:t>
-            </a:r>
-            <a:r>
-              <a:rPr lang="en-US" altLang="zh-TW" sz="2400" b="1" dirty="0">
-                <a:latin typeface="+mn-ea"/>
-                <a:cs typeface="Times New Roman" panose="02020603050405020304" pitchFamily="18" charset="0"/>
-              </a:rPr>
-              <a:t>7</a:t>
-            </a:r>
-            <a:r>
-              <a:rPr lang="zh-TW" altLang="en-US" sz="2400" b="1" dirty="0">
-                <a:latin typeface="+mn-ea"/>
-                <a:cs typeface="Times New Roman" panose="02020603050405020304" pitchFamily="18" charset="0"/>
-              </a:rPr>
-              <a:t>歲兒童的研究，時間跨度從學前班到一年級。</a:t>
-            </a:r>
-          </a:p>
-          <a:p>
-            <a:endParaRPr lang="zh-TW" altLang="en-US" sz="2400" b="1" dirty="0">
-              <a:latin typeface="+mn-ea"/>
-              <a:cs typeface="Times New Roman" panose="02020603050405020304" pitchFamily="18" charset="0"/>
-            </a:endParaRPr>
-          </a:p>
-          <a:p>
-            <a:r>
-              <a:rPr lang="zh-TW" altLang="en-US" sz="2400" b="1" dirty="0">
-                <a:latin typeface="+mn-ea"/>
-                <a:cs typeface="Times New Roman" panose="02020603050405020304" pitchFamily="18" charset="0"/>
-              </a:rPr>
-              <a:t>我們使用</a:t>
-            </a:r>
-            <a:r>
-              <a:rPr lang="en-US" altLang="zh-TW" sz="2400" b="1" dirty="0">
-                <a:latin typeface="+mn-ea"/>
-                <a:cs typeface="Times New Roman" panose="02020603050405020304" pitchFamily="18" charset="0"/>
-              </a:rPr>
-              <a:t>NIH Toolbox®</a:t>
-            </a:r>
-            <a:r>
-              <a:rPr lang="zh-TW" altLang="en-US" sz="2400" b="1" dirty="0">
-                <a:latin typeface="+mn-ea"/>
-                <a:cs typeface="Times New Roman" panose="02020603050405020304" pitchFamily="18" charset="0"/>
-              </a:rPr>
-              <a:t>評估套件中的兩項措施，考察了兒童在運動技能和執行功能方面的認知發展。</a:t>
-            </a:r>
-          </a:p>
-          <a:p>
-            <a:endParaRPr lang="zh-TW" altLang="en-US" sz="2400" b="1" dirty="0">
-              <a:latin typeface="+mn-ea"/>
-              <a:cs typeface="Times New Roman" panose="02020603050405020304" pitchFamily="18" charset="0"/>
-            </a:endParaRPr>
-          </a:p>
-          <a:p>
-            <a:r>
-              <a:rPr lang="zh-TW" altLang="en-US" sz="2400" b="1" dirty="0">
-                <a:latin typeface="+mn-ea"/>
-                <a:cs typeface="Times New Roman" panose="02020603050405020304" pitchFamily="18" charset="0"/>
-              </a:rPr>
-              <a:t>我們發現目標失誤率和手勢識別率都與年齡、年級、運動技能和執行功能有適度的相關性。</a:t>
-            </a:r>
-          </a:p>
-          <a:p>
-            <a:endParaRPr lang="zh-TW" altLang="en-US" sz="2400" b="1" dirty="0">
-              <a:latin typeface="+mn-ea"/>
-              <a:cs typeface="Times New Roman" panose="02020603050405020304" pitchFamily="18" charset="0"/>
-            </a:endParaRPr>
-          </a:p>
-          <a:p>
-            <a:r>
-              <a:rPr lang="zh-TW" altLang="en-US" sz="2400" b="1" dirty="0">
-                <a:latin typeface="+mn-ea"/>
-                <a:cs typeface="Times New Roman" panose="02020603050405020304" pitchFamily="18" charset="0"/>
-              </a:rPr>
-              <a:t>結論是，年齡和年級的敏感度足以讓研究人員和設計師在研究兒童觸摸屏互動時加以考慮。</a:t>
-            </a:r>
-          </a:p>
-        </p:txBody>
-      </p:sp>
-      <p:sp>
-        <p:nvSpPr>
-          <p:cNvPr id="4" name="Slide Number Placeholder 3"/>
-          <p:cNvSpPr>
-            <a:spLocks noGrp="1"/>
-          </p:cNvSpPr>
-          <p:nvPr>
-            <p:ph type="sldNum" sz="quarter" idx="12"/>
-          </p:nvPr>
-        </p:nvSpPr>
-        <p:spPr>
-          <a:xfrm>
-            <a:off x="11021786" y="5682343"/>
-            <a:ext cx="926892" cy="901337"/>
-          </a:xfrm>
-        </p:spPr>
-        <p:txBody>
-          <a:bodyPr/>
-          <a:lstStyle/>
-          <a:p>
-            <a:fld id="{6E18DBF4-37B7-4C4F-9728-A1C100B177EE}" type="slidenum">
-              <a:rPr lang="en-US" sz="3200" smtClean="0"/>
-              <a:t>32</a:t>
-            </a:fld>
-            <a:endParaRPr lang="en-US" sz="3200" dirty="0"/>
-          </a:p>
-        </p:txBody>
-      </p:sp>
-      <p:sp>
-        <p:nvSpPr>
-          <p:cNvPr id="9" name="Content Placeholder 9">
-            <a:extLst>
-              <a:ext uri="{FF2B5EF4-FFF2-40B4-BE49-F238E27FC236}">
-                <a16:creationId xmlns:a16="http://schemas.microsoft.com/office/drawing/2014/main" id="{D8E9FD37-A172-4CCA-8964-26F7EB35B45B}"/>
-              </a:ext>
-            </a:extLst>
-          </p:cNvPr>
-          <p:cNvSpPr txBox="1">
-            <a:spLocks/>
-          </p:cNvSpPr>
-          <p:nvPr/>
-        </p:nvSpPr>
-        <p:spPr>
-          <a:xfrm>
-            <a:off x="838200" y="301752"/>
-            <a:ext cx="10515600" cy="670040"/>
-          </a:xfrm>
-          <a:prstGeom prst="rect">
-            <a:avLst/>
-          </a:prstGeom>
-        </p:spPr>
-        <p:txBody>
-          <a:bodyPr vert="horz" lIns="91440" tIns="45720" rIns="91440" bIns="45720" rtlCol="0">
-            <a:normAutofit/>
-          </a:bodyPr>
-          <a:lstStyle>
-            <a:lvl1pPr marL="228600" indent="-228600" algn="l" defTabSz="914400" rtl="0" eaLnBrk="1" latinLnBrk="0" hangingPunct="1">
-              <a:lnSpc>
-                <a:spcPct val="100000"/>
-              </a:lnSpc>
-              <a:spcBef>
-                <a:spcPts val="1000"/>
-              </a:spcBef>
-              <a:buClr>
-                <a:schemeClr val="accent2"/>
-              </a:buClr>
-              <a:buFont typeface="Arial" panose="020B0604020202020204" pitchFamily="34" charset="0"/>
-              <a:buChar char="•"/>
-              <a:defRPr sz="1800" kern="1200">
-                <a:solidFill>
-                  <a:schemeClr val="tx1">
-                    <a:lumMod val="85000"/>
-                    <a:lumOff val="15000"/>
-                  </a:schemeClr>
-                </a:solidFill>
-                <a:latin typeface="+mn-lt"/>
-                <a:ea typeface="+mn-ea"/>
-                <a:cs typeface="+mn-cs"/>
-              </a:defRPr>
-            </a:lvl1pPr>
-            <a:lvl2pPr marL="457200" indent="-228600" algn="l" defTabSz="914400" rtl="0" eaLnBrk="1" latinLnBrk="0" hangingPunct="1">
-              <a:lnSpc>
-                <a:spcPct val="100000"/>
-              </a:lnSpc>
-              <a:spcBef>
-                <a:spcPts val="1000"/>
-              </a:spcBef>
-              <a:buClr>
-                <a:schemeClr val="accent2"/>
-              </a:buClr>
-              <a:buFont typeface="Arial" panose="020B0604020202020204" pitchFamily="34" charset="0"/>
-              <a:buChar char="•"/>
-              <a:defRPr sz="1600" kern="1200">
-                <a:solidFill>
-                  <a:schemeClr val="tx1">
-                    <a:lumMod val="85000"/>
-                    <a:lumOff val="15000"/>
-                  </a:schemeClr>
-                </a:solidFill>
-                <a:latin typeface="+mn-lt"/>
-                <a:ea typeface="+mn-ea"/>
-                <a:cs typeface="+mn-cs"/>
-              </a:defRPr>
-            </a:lvl2pPr>
-            <a:lvl3pPr marL="685800" indent="-228600" algn="l" defTabSz="914400" rtl="0" eaLnBrk="1" latinLnBrk="0" hangingPunct="1">
-              <a:lnSpc>
-                <a:spcPct val="100000"/>
-              </a:lnSpc>
-              <a:spcBef>
-                <a:spcPts val="1000"/>
-              </a:spcBef>
-              <a:buClr>
-                <a:schemeClr val="accent2"/>
-              </a:buClr>
-              <a:buFont typeface="Arial" panose="020B0604020202020204" pitchFamily="34" charset="0"/>
-              <a:buChar char="•"/>
-              <a:defRPr sz="1600" kern="1200">
-                <a:solidFill>
-                  <a:schemeClr val="tx1">
-                    <a:lumMod val="85000"/>
-                    <a:lumOff val="15000"/>
-                  </a:schemeClr>
-                </a:solidFill>
-                <a:latin typeface="+mn-lt"/>
-                <a:ea typeface="+mn-ea"/>
-                <a:cs typeface="+mn-cs"/>
-              </a:defRPr>
-            </a:lvl3pPr>
-            <a:lvl4pPr marL="914400" indent="-228600" algn="l" defTabSz="914400" rtl="0" eaLnBrk="1" latinLnBrk="0" hangingPunct="1">
-              <a:lnSpc>
-                <a:spcPct val="100000"/>
-              </a:lnSpc>
-              <a:spcBef>
-                <a:spcPts val="1000"/>
-              </a:spcBef>
-              <a:buClr>
-                <a:schemeClr val="accent2"/>
-              </a:buClr>
-              <a:buFont typeface="Arial" panose="020B0604020202020204" pitchFamily="34" charset="0"/>
-              <a:buChar char="•"/>
-              <a:defRPr sz="1600" kern="1200">
-                <a:solidFill>
-                  <a:schemeClr val="tx1">
-                    <a:lumMod val="85000"/>
-                    <a:lumOff val="15000"/>
-                  </a:schemeClr>
-                </a:solidFill>
-                <a:latin typeface="+mn-lt"/>
-                <a:ea typeface="+mn-ea"/>
-                <a:cs typeface="+mn-cs"/>
-              </a:defRPr>
-            </a:lvl4pPr>
-            <a:lvl5pPr marL="1143000" indent="-228600" algn="l" defTabSz="914400" rtl="0" eaLnBrk="1" latinLnBrk="0" hangingPunct="1">
-              <a:lnSpc>
-                <a:spcPct val="100000"/>
-              </a:lnSpc>
-              <a:spcBef>
-                <a:spcPts val="1000"/>
-              </a:spcBef>
-              <a:buClr>
-                <a:schemeClr val="accent2"/>
-              </a:buClr>
-              <a:buFont typeface="Arial" panose="020B0604020202020204" pitchFamily="34" charset="0"/>
-              <a:buChar char="•"/>
-              <a:defRPr sz="1600" kern="1200">
-                <a:solidFill>
-                  <a:schemeClr val="tx1">
-                    <a:lumMod val="85000"/>
-                    <a:lumOff val="15000"/>
-                  </a:schemeClr>
-                </a:solidFill>
-                <a:latin typeface="+mn-lt"/>
-                <a:ea typeface="+mn-ea"/>
-                <a:cs typeface="+mn-cs"/>
-              </a:defRPr>
-            </a:lvl5pPr>
-            <a:lvl6pPr marL="1312863" indent="-228600" algn="l" defTabSz="914400" rtl="0" eaLnBrk="1" latinLnBrk="0" hangingPunct="1">
-              <a:lnSpc>
-                <a:spcPct val="100000"/>
-              </a:lnSpc>
-              <a:spcBef>
-                <a:spcPts val="1000"/>
-              </a:spcBef>
-              <a:buClr>
-                <a:schemeClr val="accent2"/>
-              </a:buClr>
-              <a:buFont typeface="Arial" panose="020B0604020202020204" pitchFamily="34" charset="0"/>
-              <a:buChar char="•"/>
-              <a:defRPr sz="1600" kern="1200">
-                <a:solidFill>
-                  <a:schemeClr val="tx1"/>
-                </a:solidFill>
-                <a:latin typeface="+mn-lt"/>
-                <a:ea typeface="+mn-ea"/>
-                <a:cs typeface="+mn-cs"/>
-              </a:defRPr>
-            </a:lvl6pPr>
-            <a:lvl7pPr marL="1484313" indent="-228600" algn="l" defTabSz="914400" rtl="0" eaLnBrk="1" latinLnBrk="0" hangingPunct="1">
-              <a:lnSpc>
-                <a:spcPct val="100000"/>
-              </a:lnSpc>
-              <a:spcBef>
-                <a:spcPts val="1000"/>
-              </a:spcBef>
-              <a:buClr>
-                <a:schemeClr val="accent2"/>
-              </a:buClr>
-              <a:buFont typeface="Arial" panose="020B0604020202020204" pitchFamily="34" charset="0"/>
-              <a:buChar char="•"/>
-              <a:defRPr sz="1600" kern="1200">
-                <a:solidFill>
-                  <a:schemeClr val="tx1"/>
-                </a:solidFill>
-                <a:latin typeface="+mn-lt"/>
-                <a:ea typeface="+mn-ea"/>
-                <a:cs typeface="+mn-cs"/>
-              </a:defRPr>
-            </a:lvl7pPr>
-            <a:lvl8pPr marL="1657350" indent="-228600" algn="l" defTabSz="914400" rtl="0" eaLnBrk="1" latinLnBrk="0" hangingPunct="1">
-              <a:lnSpc>
-                <a:spcPct val="100000"/>
-              </a:lnSpc>
-              <a:spcBef>
-                <a:spcPts val="1000"/>
-              </a:spcBef>
-              <a:buClr>
-                <a:schemeClr val="accent2"/>
-              </a:buClr>
-              <a:buFont typeface="Arial" panose="020B0604020202020204" pitchFamily="34" charset="0"/>
-              <a:buChar char="•"/>
-              <a:defRPr sz="1600" kern="1200" baseline="0">
-                <a:solidFill>
-                  <a:schemeClr val="tx1"/>
-                </a:solidFill>
-                <a:latin typeface="+mn-lt"/>
-                <a:ea typeface="+mn-ea"/>
-                <a:cs typeface="+mn-cs"/>
-              </a:defRPr>
-            </a:lvl8pPr>
-            <a:lvl9pPr marL="1882775" indent="-228600" algn="l" defTabSz="914400" rtl="0" eaLnBrk="1" latinLnBrk="0" hangingPunct="1">
-              <a:lnSpc>
-                <a:spcPct val="100000"/>
-              </a:lnSpc>
-              <a:spcBef>
-                <a:spcPts val="1000"/>
-              </a:spcBef>
-              <a:buClr>
-                <a:schemeClr val="accent2"/>
-              </a:buClr>
-              <a:buFont typeface="Arial" panose="020B0604020202020204" pitchFamily="34" charset="0"/>
-              <a:buChar char="•"/>
-              <a:defRPr sz="1600" kern="1200" baseline="0">
-                <a:solidFill>
-                  <a:schemeClr val="tx1"/>
-                </a:solidFill>
-                <a:latin typeface="+mn-lt"/>
-                <a:ea typeface="+mn-ea"/>
-                <a:cs typeface="+mn-cs"/>
-              </a:defRPr>
-            </a:lvl9pPr>
-          </a:lstStyle>
-          <a:p>
-            <a:pPr marL="0" indent="0">
-              <a:buNone/>
-            </a:pPr>
-            <a:r>
-              <a:rPr lang="en-US" altLang="zh-TW" sz="3500" b="1" dirty="0">
-                <a:solidFill>
-                  <a:schemeClr val="bg1"/>
-                </a:solidFill>
-              </a:rPr>
-              <a:t>Limitation And Conclusion</a:t>
-            </a:r>
-          </a:p>
-        </p:txBody>
-      </p:sp>
-    </p:spTree>
-    <p:extLst>
-      <p:ext uri="{BB962C8B-B14F-4D97-AF65-F5344CB8AC3E}">
-        <p14:creationId xmlns:p14="http://schemas.microsoft.com/office/powerpoint/2010/main" val="4122157178"/>
-      </p:ext>
-    </p:extLst>
-  </p:cSld>
-  <p:clrMapOvr>
-    <a:masterClrMapping/>
-  </p:clrMapOvr>
-</p:sld>
-</file>
-
-<file path=ppt/slides/slide33.xml><?xml version="1.0" encoding="utf-8"?>
+<file path=ppt/slides/slide31.xml><?xml version="1.0" encoding="utf-8"?>
 <p:sld xmlns:a="http://schemas.openxmlformats.org/drawingml/2006/main" xmlns:r="http://schemas.openxmlformats.org/officeDocument/2006/relationships" xmlns:p="http://schemas.openxmlformats.org/presentationml/2006/main">
   <p:cSld>
     <p:spTree>
